--- a/poster/smartDancingSuitPoster.pptx
+++ b/poster/smartDancingSuitPoster.pptx
@@ -1,19 +1,114 @@
 
 <file path=ppt/presentation.xml><?xml version="1.0" encoding="utf-8"?>
-<p:presentation xmlns:a="http://schemas.openxmlformats.org/drawingml/2006/main" xmlns:p="http://schemas.openxmlformats.org/presentationml/2006/main" xmlns:r="http://schemas.openxmlformats.org/officeDocument/2006/relationships" xmlns:p14="http://schemas.microsoft.com/office/powerpoint/2010/main" xmlns:p15="http://schemas.microsoft.com/office/powerpoint/2012/main" xmlns:mc="http://schemas.openxmlformats.org/markup-compatibility/2006">
+<p:presentation xmlns:a="http://schemas.openxmlformats.org/drawingml/2006/main" xmlns:r="http://schemas.openxmlformats.org/officeDocument/2006/relationships" xmlns:p="http://schemas.openxmlformats.org/presentationml/2006/main">
   <p:sldMasterIdLst>
-    <p:sldMasterId id="2147483648" r:id="rId2"/>
+    <p:sldMasterId id="2147483648" r:id="rId1"/>
   </p:sldMasterIdLst>
   <p:sldIdLst>
-    <p:sldId id="256" r:id="rId3"/>
+    <p:sldId id="256" r:id="rId2"/>
   </p:sldIdLst>
-  <p:sldSz cx="30275212" cy="42803762"/>
-  <p:notesSz cx="7559675" cy="10691812"/>
+  <p:sldSz cx="30275213" cy="42803763"/>
+  <p:notesSz cx="7559675" cy="10691813"/>
+  <p:defaultTextStyle>
+    <a:defPPr>
+      <a:defRPr lang="de-DE"/>
+    </a:defPPr>
+    <a:lvl1pPr marL="0" algn="l" defTabSz="914400" rtl="0" eaLnBrk="1" latinLnBrk="0" hangingPunct="1">
+      <a:defRPr sz="1800" kern="1200">
+        <a:solidFill>
+          <a:schemeClr val="tx1"/>
+        </a:solidFill>
+        <a:latin typeface="+mn-lt"/>
+        <a:ea typeface="+mn-ea"/>
+        <a:cs typeface="+mn-cs"/>
+      </a:defRPr>
+    </a:lvl1pPr>
+    <a:lvl2pPr marL="457200" algn="l" defTabSz="914400" rtl="0" eaLnBrk="1" latinLnBrk="0" hangingPunct="1">
+      <a:defRPr sz="1800" kern="1200">
+        <a:solidFill>
+          <a:schemeClr val="tx1"/>
+        </a:solidFill>
+        <a:latin typeface="+mn-lt"/>
+        <a:ea typeface="+mn-ea"/>
+        <a:cs typeface="+mn-cs"/>
+      </a:defRPr>
+    </a:lvl2pPr>
+    <a:lvl3pPr marL="914400" algn="l" defTabSz="914400" rtl="0" eaLnBrk="1" latinLnBrk="0" hangingPunct="1">
+      <a:defRPr sz="1800" kern="1200">
+        <a:solidFill>
+          <a:schemeClr val="tx1"/>
+        </a:solidFill>
+        <a:latin typeface="+mn-lt"/>
+        <a:ea typeface="+mn-ea"/>
+        <a:cs typeface="+mn-cs"/>
+      </a:defRPr>
+    </a:lvl3pPr>
+    <a:lvl4pPr marL="1371600" algn="l" defTabSz="914400" rtl="0" eaLnBrk="1" latinLnBrk="0" hangingPunct="1">
+      <a:defRPr sz="1800" kern="1200">
+        <a:solidFill>
+          <a:schemeClr val="tx1"/>
+        </a:solidFill>
+        <a:latin typeface="+mn-lt"/>
+        <a:ea typeface="+mn-ea"/>
+        <a:cs typeface="+mn-cs"/>
+      </a:defRPr>
+    </a:lvl4pPr>
+    <a:lvl5pPr marL="1828800" algn="l" defTabSz="914400" rtl="0" eaLnBrk="1" latinLnBrk="0" hangingPunct="1">
+      <a:defRPr sz="1800" kern="1200">
+        <a:solidFill>
+          <a:schemeClr val="tx1"/>
+        </a:solidFill>
+        <a:latin typeface="+mn-lt"/>
+        <a:ea typeface="+mn-ea"/>
+        <a:cs typeface="+mn-cs"/>
+      </a:defRPr>
+    </a:lvl5pPr>
+    <a:lvl6pPr marL="2286000" algn="l" defTabSz="914400" rtl="0" eaLnBrk="1" latinLnBrk="0" hangingPunct="1">
+      <a:defRPr sz="1800" kern="1200">
+        <a:solidFill>
+          <a:schemeClr val="tx1"/>
+        </a:solidFill>
+        <a:latin typeface="+mn-lt"/>
+        <a:ea typeface="+mn-ea"/>
+        <a:cs typeface="+mn-cs"/>
+      </a:defRPr>
+    </a:lvl6pPr>
+    <a:lvl7pPr marL="2743200" algn="l" defTabSz="914400" rtl="0" eaLnBrk="1" latinLnBrk="0" hangingPunct="1">
+      <a:defRPr sz="1800" kern="1200">
+        <a:solidFill>
+          <a:schemeClr val="tx1"/>
+        </a:solidFill>
+        <a:latin typeface="+mn-lt"/>
+        <a:ea typeface="+mn-ea"/>
+        <a:cs typeface="+mn-cs"/>
+      </a:defRPr>
+    </a:lvl7pPr>
+    <a:lvl8pPr marL="3200400" algn="l" defTabSz="914400" rtl="0" eaLnBrk="1" latinLnBrk="0" hangingPunct="1">
+      <a:defRPr sz="1800" kern="1200">
+        <a:solidFill>
+          <a:schemeClr val="tx1"/>
+        </a:solidFill>
+        <a:latin typeface="+mn-lt"/>
+        <a:ea typeface="+mn-ea"/>
+        <a:cs typeface="+mn-cs"/>
+      </a:defRPr>
+    </a:lvl8pPr>
+    <a:lvl9pPr marL="3657600" algn="l" defTabSz="914400" rtl="0" eaLnBrk="1" latinLnBrk="0" hangingPunct="1">
+      <a:defRPr sz="1800" kern="1200">
+        <a:solidFill>
+          <a:schemeClr val="tx1"/>
+        </a:solidFill>
+        <a:latin typeface="+mn-lt"/>
+        <a:ea typeface="+mn-ea"/>
+        <a:cs typeface="+mn-cs"/>
+      </a:defRPr>
+    </a:lvl9pPr>
+  </p:defaultTextStyle>
 </p:presentation>
 </file>
 
 <file path=ppt/slideLayouts/slideLayout1.xml><?xml version="1.0" encoding="utf-8"?>
-<p:sldLayout xmlns:a="http://schemas.openxmlformats.org/drawingml/2006/main" xmlns:p="http://schemas.openxmlformats.org/presentationml/2006/main" xmlns:r="http://schemas.openxmlformats.org/officeDocument/2006/relationships" xmlns:p14="http://schemas.microsoft.com/office/powerpoint/2010/main" xmlns:p15="http://schemas.microsoft.com/office/powerpoint/2012/main" xmlns:mc="http://schemas.openxmlformats.org/markup-compatibility/2006" type="blank" preserve="1">
+<p:sldLayout xmlns:a="http://schemas.openxmlformats.org/drawingml/2006/main" xmlns:r="http://schemas.openxmlformats.org/officeDocument/2006/relationships" xmlns:p="http://schemas.openxmlformats.org/presentationml/2006/main" type="blank" preserve="1">
   <p:cSld name="Blank Slide">
     <p:spTree>
       <p:nvGrpSpPr>
@@ -31,11 +126,14 @@
       </p:grpSpPr>
     </p:spTree>
   </p:cSld>
+  <p:clrMapOvr>
+    <a:masterClrMapping/>
+  </p:clrMapOvr>
 </p:sldLayout>
 </file>
 
 <file path=ppt/slideLayouts/slideLayout10.xml><?xml version="1.0" encoding="utf-8"?>
-<p:sldLayout xmlns:a="http://schemas.openxmlformats.org/drawingml/2006/main" xmlns:p="http://schemas.openxmlformats.org/presentationml/2006/main" xmlns:r="http://schemas.openxmlformats.org/officeDocument/2006/relationships" xmlns:p14="http://schemas.microsoft.com/office/powerpoint/2010/main" xmlns:p15="http://schemas.microsoft.com/office/powerpoint/2012/main" xmlns:mc="http://schemas.openxmlformats.org/markup-compatibility/2006" type="objOverTx" preserve="1">
+<p:sldLayout xmlns:a="http://schemas.openxmlformats.org/drawingml/2006/main" xmlns:r="http://schemas.openxmlformats.org/officeDocument/2006/relationships" xmlns:p="http://schemas.openxmlformats.org/presentationml/2006/main" type="objOverTx" preserve="1">
   <p:cSld name="Title, Content over Content">
     <p:spTree>
       <p:nvGrpSpPr>
@@ -71,15 +169,16 @@
           </a:prstGeom>
         </p:spPr>
         <p:txBody>
-          <a:bodyPr lIns="0" rIns="0" tIns="0" bIns="0" anchor="ctr"/>
-          <a:p>
-            <a:endParaRPr b="0" lang="de-DE" sz="8200" spc="-1" strike="noStrike">
-              <a:solidFill>
-                <a:srgbClr val="000000"/>
-              </a:solidFill>
-              <a:uFill>
-                <a:solidFill>
-                  <a:srgbClr val="ffffff"/>
+          <a:bodyPr lIns="0" tIns="0" rIns="0" bIns="0" anchor="ctr"/>
+          <a:lstStyle/>
+          <a:p>
+            <a:endParaRPr lang="de-DE" sz="8200" b="0" strike="noStrike" spc="-1">
+              <a:solidFill>
+                <a:srgbClr val="000000"/>
+              </a:solidFill>
+              <a:uFill>
+                <a:solidFill>
+                  <a:srgbClr val="FFFFFF"/>
                 </a:solidFill>
               </a:uFill>
               <a:latin typeface="Arial"/>
@@ -107,15 +206,16 @@
           </a:prstGeom>
         </p:spPr>
         <p:txBody>
-          <a:bodyPr lIns="0" rIns="0" tIns="0" bIns="0"/>
-          <a:p>
-            <a:endParaRPr b="0" lang="de-DE" sz="14600" spc="-1" strike="noStrike">
-              <a:solidFill>
-                <a:srgbClr val="000000"/>
-              </a:solidFill>
-              <a:uFill>
-                <a:solidFill>
-                  <a:srgbClr val="ffffff"/>
+          <a:bodyPr lIns="0" tIns="0" rIns="0" bIns="0"/>
+          <a:lstStyle/>
+          <a:p>
+            <a:endParaRPr lang="de-DE" sz="14600" b="0" strike="noStrike" spc="-1">
+              <a:solidFill>
+                <a:srgbClr val="000000"/>
+              </a:solidFill>
+              <a:uFill>
+                <a:solidFill>
+                  <a:srgbClr val="FFFFFF"/>
                 </a:solidFill>
               </a:uFill>
               <a:latin typeface="Calibri"/>
@@ -143,15 +243,16 @@
           </a:prstGeom>
         </p:spPr>
         <p:txBody>
-          <a:bodyPr lIns="0" rIns="0" tIns="0" bIns="0"/>
-          <a:p>
-            <a:endParaRPr b="0" lang="de-DE" sz="14600" spc="-1" strike="noStrike">
-              <a:solidFill>
-                <a:srgbClr val="000000"/>
-              </a:solidFill>
-              <a:uFill>
-                <a:solidFill>
-                  <a:srgbClr val="ffffff"/>
+          <a:bodyPr lIns="0" tIns="0" rIns="0" bIns="0"/>
+          <a:lstStyle/>
+          <a:p>
+            <a:endParaRPr lang="de-DE" sz="14600" b="0" strike="noStrike" spc="-1">
+              <a:solidFill>
+                <a:srgbClr val="000000"/>
+              </a:solidFill>
+              <a:uFill>
+                <a:solidFill>
+                  <a:srgbClr val="FFFFFF"/>
                 </a:solidFill>
               </a:uFill>
               <a:latin typeface="Calibri"/>
@@ -161,11 +262,14 @@
       </p:sp>
     </p:spTree>
   </p:cSld>
+  <p:clrMapOvr>
+    <a:masterClrMapping/>
+  </p:clrMapOvr>
 </p:sldLayout>
 </file>
 
 <file path=ppt/slideLayouts/slideLayout11.xml><?xml version="1.0" encoding="utf-8"?>
-<p:sldLayout xmlns:a="http://schemas.openxmlformats.org/drawingml/2006/main" xmlns:p="http://schemas.openxmlformats.org/presentationml/2006/main" xmlns:r="http://schemas.openxmlformats.org/officeDocument/2006/relationships" xmlns:p14="http://schemas.microsoft.com/office/powerpoint/2010/main" xmlns:p15="http://schemas.microsoft.com/office/powerpoint/2012/main" xmlns:mc="http://schemas.openxmlformats.org/markup-compatibility/2006" type="fourObj" preserve="1">
+<p:sldLayout xmlns:a="http://schemas.openxmlformats.org/drawingml/2006/main" xmlns:r="http://schemas.openxmlformats.org/officeDocument/2006/relationships" xmlns:p="http://schemas.openxmlformats.org/presentationml/2006/main" type="fourObj" preserve="1">
   <p:cSld name="Title, 4 Content">
     <p:spTree>
       <p:nvGrpSpPr>
@@ -201,15 +305,16 @@
           </a:prstGeom>
         </p:spPr>
         <p:txBody>
-          <a:bodyPr lIns="0" rIns="0" tIns="0" bIns="0" anchor="ctr"/>
-          <a:p>
-            <a:endParaRPr b="0" lang="de-DE" sz="8200" spc="-1" strike="noStrike">
-              <a:solidFill>
-                <a:srgbClr val="000000"/>
-              </a:solidFill>
-              <a:uFill>
-                <a:solidFill>
-                  <a:srgbClr val="ffffff"/>
+          <a:bodyPr lIns="0" tIns="0" rIns="0" bIns="0" anchor="ctr"/>
+          <a:lstStyle/>
+          <a:p>
+            <a:endParaRPr lang="de-DE" sz="8200" b="0" strike="noStrike" spc="-1">
+              <a:solidFill>
+                <a:srgbClr val="000000"/>
+              </a:solidFill>
+              <a:uFill>
+                <a:solidFill>
+                  <a:srgbClr val="FFFFFF"/>
                 </a:solidFill>
               </a:uFill>
               <a:latin typeface="Arial"/>
@@ -237,15 +342,16 @@
           </a:prstGeom>
         </p:spPr>
         <p:txBody>
-          <a:bodyPr lIns="0" rIns="0" tIns="0" bIns="0"/>
-          <a:p>
-            <a:endParaRPr b="0" lang="de-DE" sz="14600" spc="-1" strike="noStrike">
-              <a:solidFill>
-                <a:srgbClr val="000000"/>
-              </a:solidFill>
-              <a:uFill>
-                <a:solidFill>
-                  <a:srgbClr val="ffffff"/>
+          <a:bodyPr lIns="0" tIns="0" rIns="0" bIns="0"/>
+          <a:lstStyle/>
+          <a:p>
+            <a:endParaRPr lang="de-DE" sz="14600" b="0" strike="noStrike" spc="-1">
+              <a:solidFill>
+                <a:srgbClr val="000000"/>
+              </a:solidFill>
+              <a:uFill>
+                <a:solidFill>
+                  <a:srgbClr val="FFFFFF"/>
                 </a:solidFill>
               </a:uFill>
               <a:latin typeface="Calibri"/>
@@ -273,15 +379,16 @@
           </a:prstGeom>
         </p:spPr>
         <p:txBody>
-          <a:bodyPr lIns="0" rIns="0" tIns="0" bIns="0"/>
-          <a:p>
-            <a:endParaRPr b="0" lang="de-DE" sz="14600" spc="-1" strike="noStrike">
-              <a:solidFill>
-                <a:srgbClr val="000000"/>
-              </a:solidFill>
-              <a:uFill>
-                <a:solidFill>
-                  <a:srgbClr val="ffffff"/>
+          <a:bodyPr lIns="0" tIns="0" rIns="0" bIns="0"/>
+          <a:lstStyle/>
+          <a:p>
+            <a:endParaRPr lang="de-DE" sz="14600" b="0" strike="noStrike" spc="-1">
+              <a:solidFill>
+                <a:srgbClr val="000000"/>
+              </a:solidFill>
+              <a:uFill>
+                <a:solidFill>
+                  <a:srgbClr val="FFFFFF"/>
                 </a:solidFill>
               </a:uFill>
               <a:latin typeface="Calibri"/>
@@ -309,15 +416,16 @@
           </a:prstGeom>
         </p:spPr>
         <p:txBody>
-          <a:bodyPr lIns="0" rIns="0" tIns="0" bIns="0"/>
-          <a:p>
-            <a:endParaRPr b="0" lang="de-DE" sz="14600" spc="-1" strike="noStrike">
-              <a:solidFill>
-                <a:srgbClr val="000000"/>
-              </a:solidFill>
-              <a:uFill>
-                <a:solidFill>
-                  <a:srgbClr val="ffffff"/>
+          <a:bodyPr lIns="0" tIns="0" rIns="0" bIns="0"/>
+          <a:lstStyle/>
+          <a:p>
+            <a:endParaRPr lang="de-DE" sz="14600" b="0" strike="noStrike" spc="-1">
+              <a:solidFill>
+                <a:srgbClr val="000000"/>
+              </a:solidFill>
+              <a:uFill>
+                <a:solidFill>
+                  <a:srgbClr val="FFFFFF"/>
                 </a:solidFill>
               </a:uFill>
               <a:latin typeface="Calibri"/>
@@ -345,15 +453,16 @@
           </a:prstGeom>
         </p:spPr>
         <p:txBody>
-          <a:bodyPr lIns="0" rIns="0" tIns="0" bIns="0"/>
-          <a:p>
-            <a:endParaRPr b="0" lang="de-DE" sz="14600" spc="-1" strike="noStrike">
-              <a:solidFill>
-                <a:srgbClr val="000000"/>
-              </a:solidFill>
-              <a:uFill>
-                <a:solidFill>
-                  <a:srgbClr val="ffffff"/>
+          <a:bodyPr lIns="0" tIns="0" rIns="0" bIns="0"/>
+          <a:lstStyle/>
+          <a:p>
+            <a:endParaRPr lang="de-DE" sz="14600" b="0" strike="noStrike" spc="-1">
+              <a:solidFill>
+                <a:srgbClr val="000000"/>
+              </a:solidFill>
+              <a:uFill>
+                <a:solidFill>
+                  <a:srgbClr val="FFFFFF"/>
                 </a:solidFill>
               </a:uFill>
               <a:latin typeface="Calibri"/>
@@ -363,11 +472,14 @@
       </p:sp>
     </p:spTree>
   </p:cSld>
+  <p:clrMapOvr>
+    <a:masterClrMapping/>
+  </p:clrMapOvr>
 </p:sldLayout>
 </file>
 
 <file path=ppt/slideLayouts/slideLayout12.xml><?xml version="1.0" encoding="utf-8"?>
-<p:sldLayout xmlns:a="http://schemas.openxmlformats.org/drawingml/2006/main" xmlns:p="http://schemas.openxmlformats.org/presentationml/2006/main" xmlns:r="http://schemas.openxmlformats.org/officeDocument/2006/relationships" xmlns:p14="http://schemas.microsoft.com/office/powerpoint/2010/main" xmlns:p15="http://schemas.microsoft.com/office/powerpoint/2012/main" xmlns:mc="http://schemas.openxmlformats.org/markup-compatibility/2006" type="blank" preserve="1">
+<p:sldLayout xmlns:a="http://schemas.openxmlformats.org/drawingml/2006/main" xmlns:r="http://schemas.openxmlformats.org/officeDocument/2006/relationships" xmlns:p="http://schemas.openxmlformats.org/presentationml/2006/main" type="blank" preserve="1">
   <p:cSld name="Title, 6 Content">
     <p:spTree>
       <p:nvGrpSpPr>
@@ -403,15 +515,16 @@
           </a:prstGeom>
         </p:spPr>
         <p:txBody>
-          <a:bodyPr lIns="0" rIns="0" tIns="0" bIns="0" anchor="ctr"/>
-          <a:p>
-            <a:endParaRPr b="0" lang="de-DE" sz="8200" spc="-1" strike="noStrike">
-              <a:solidFill>
-                <a:srgbClr val="000000"/>
-              </a:solidFill>
-              <a:uFill>
-                <a:solidFill>
-                  <a:srgbClr val="ffffff"/>
+          <a:bodyPr lIns="0" tIns="0" rIns="0" bIns="0" anchor="ctr"/>
+          <a:lstStyle/>
+          <a:p>
+            <a:endParaRPr lang="de-DE" sz="8200" b="0" strike="noStrike" spc="-1">
+              <a:solidFill>
+                <a:srgbClr val="000000"/>
+              </a:solidFill>
+              <a:uFill>
+                <a:solidFill>
+                  <a:srgbClr val="FFFFFF"/>
                 </a:solidFill>
               </a:uFill>
               <a:latin typeface="Arial"/>
@@ -439,15 +552,16 @@
           </a:prstGeom>
         </p:spPr>
         <p:txBody>
-          <a:bodyPr lIns="0" rIns="0" tIns="0" bIns="0"/>
-          <a:p>
-            <a:endParaRPr b="0" lang="de-DE" sz="14600" spc="-1" strike="noStrike">
-              <a:solidFill>
-                <a:srgbClr val="000000"/>
-              </a:solidFill>
-              <a:uFill>
-                <a:solidFill>
-                  <a:srgbClr val="ffffff"/>
+          <a:bodyPr lIns="0" tIns="0" rIns="0" bIns="0"/>
+          <a:lstStyle/>
+          <a:p>
+            <a:endParaRPr lang="de-DE" sz="14600" b="0" strike="noStrike" spc="-1">
+              <a:solidFill>
+                <a:srgbClr val="000000"/>
+              </a:solidFill>
+              <a:uFill>
+                <a:solidFill>
+                  <a:srgbClr val="FFFFFF"/>
                 </a:solidFill>
               </a:uFill>
               <a:latin typeface="Calibri"/>
@@ -475,15 +589,16 @@
           </a:prstGeom>
         </p:spPr>
         <p:txBody>
-          <a:bodyPr lIns="0" rIns="0" tIns="0" bIns="0"/>
-          <a:p>
-            <a:endParaRPr b="0" lang="de-DE" sz="14600" spc="-1" strike="noStrike">
-              <a:solidFill>
-                <a:srgbClr val="000000"/>
-              </a:solidFill>
-              <a:uFill>
-                <a:solidFill>
-                  <a:srgbClr val="ffffff"/>
+          <a:bodyPr lIns="0" tIns="0" rIns="0" bIns="0"/>
+          <a:lstStyle/>
+          <a:p>
+            <a:endParaRPr lang="de-DE" sz="14600" b="0" strike="noStrike" spc="-1">
+              <a:solidFill>
+                <a:srgbClr val="000000"/>
+              </a:solidFill>
+              <a:uFill>
+                <a:solidFill>
+                  <a:srgbClr val="FFFFFF"/>
                 </a:solidFill>
               </a:uFill>
               <a:latin typeface="Calibri"/>
@@ -493,7 +608,7 @@
       </p:sp>
       <p:pic>
         <p:nvPicPr>
-          <p:cNvPr id="39" name="" descr=""/>
+          <p:cNvPr id="39" name="Grafik 38"/>
           <p:cNvPicPr/>
           <p:nvPr/>
         </p:nvPicPr>
@@ -516,12 +631,12 @@
       </p:pic>
       <p:pic>
         <p:nvPicPr>
-          <p:cNvPr id="40" name="" descr=""/>
+          <p:cNvPr id="40" name="Grafik 39"/>
           <p:cNvPicPr/>
           <p:nvPr/>
         </p:nvPicPr>
         <p:blipFill>
-          <a:blip r:embed="rId3"/>
+          <a:blip r:embed="rId2"/>
           <a:stretch/>
         </p:blipFill>
         <p:spPr>
@@ -539,11 +654,14 @@
       </p:pic>
     </p:spTree>
   </p:cSld>
+  <p:clrMapOvr>
+    <a:masterClrMapping/>
+  </p:clrMapOvr>
 </p:sldLayout>
 </file>
 
 <file path=ppt/slideLayouts/slideLayout2.xml><?xml version="1.0" encoding="utf-8"?>
-<p:sldLayout xmlns:a="http://schemas.openxmlformats.org/drawingml/2006/main" xmlns:p="http://schemas.openxmlformats.org/presentationml/2006/main" xmlns:r="http://schemas.openxmlformats.org/officeDocument/2006/relationships" xmlns:p14="http://schemas.microsoft.com/office/powerpoint/2010/main" xmlns:p15="http://schemas.microsoft.com/office/powerpoint/2012/main" xmlns:mc="http://schemas.openxmlformats.org/markup-compatibility/2006" type="tx" preserve="1">
+<p:sldLayout xmlns:a="http://schemas.openxmlformats.org/drawingml/2006/main" xmlns:r="http://schemas.openxmlformats.org/officeDocument/2006/relationships" xmlns:p="http://schemas.openxmlformats.org/presentationml/2006/main" type="tx" preserve="1">
   <p:cSld name="Title Slide">
     <p:spTree>
       <p:nvGrpSpPr>
@@ -579,15 +697,16 @@
           </a:prstGeom>
         </p:spPr>
         <p:txBody>
-          <a:bodyPr lIns="0" rIns="0" tIns="0" bIns="0" anchor="ctr"/>
-          <a:p>
-            <a:endParaRPr b="0" lang="de-DE" sz="8200" spc="-1" strike="noStrike">
-              <a:solidFill>
-                <a:srgbClr val="000000"/>
-              </a:solidFill>
-              <a:uFill>
-                <a:solidFill>
-                  <a:srgbClr val="ffffff"/>
+          <a:bodyPr lIns="0" tIns="0" rIns="0" bIns="0" anchor="ctr"/>
+          <a:lstStyle/>
+          <a:p>
+            <a:endParaRPr lang="de-DE" sz="8200" b="0" strike="noStrike" spc="-1">
+              <a:solidFill>
+                <a:srgbClr val="000000"/>
+              </a:solidFill>
+              <a:uFill>
+                <a:solidFill>
+                  <a:srgbClr val="FFFFFF"/>
                 </a:solidFill>
               </a:uFill>
               <a:latin typeface="Arial"/>
@@ -615,16 +734,17 @@
           </a:prstGeom>
         </p:spPr>
         <p:txBody>
-          <a:bodyPr lIns="0" rIns="0" tIns="0" bIns="0" anchor="ctr"/>
+          <a:bodyPr lIns="0" tIns="0" rIns="0" bIns="0" anchor="ctr"/>
+          <a:lstStyle/>
           <a:p>
             <a:pPr algn="ctr"/>
-            <a:endParaRPr b="0" lang="de-DE" sz="3200" spc="-1" strike="noStrike">
-              <a:solidFill>
-                <a:srgbClr val="000000"/>
-              </a:solidFill>
-              <a:uFill>
-                <a:solidFill>
-                  <a:srgbClr val="ffffff"/>
+            <a:endParaRPr lang="de-DE" sz="3200" b="0" strike="noStrike" spc="-1">
+              <a:solidFill>
+                <a:srgbClr val="000000"/>
+              </a:solidFill>
+              <a:uFill>
+                <a:solidFill>
+                  <a:srgbClr val="FFFFFF"/>
                 </a:solidFill>
               </a:uFill>
               <a:latin typeface="Arial"/>
@@ -634,11 +754,14 @@
       </p:sp>
     </p:spTree>
   </p:cSld>
+  <p:clrMapOvr>
+    <a:masterClrMapping/>
+  </p:clrMapOvr>
 </p:sldLayout>
 </file>
 
 <file path=ppt/slideLayouts/slideLayout3.xml><?xml version="1.0" encoding="utf-8"?>
-<p:sldLayout xmlns:a="http://schemas.openxmlformats.org/drawingml/2006/main" xmlns:p="http://schemas.openxmlformats.org/presentationml/2006/main" xmlns:r="http://schemas.openxmlformats.org/officeDocument/2006/relationships" xmlns:p14="http://schemas.microsoft.com/office/powerpoint/2010/main" xmlns:p15="http://schemas.microsoft.com/office/powerpoint/2012/main" xmlns:mc="http://schemas.openxmlformats.org/markup-compatibility/2006" type="obj" preserve="1">
+<p:sldLayout xmlns:a="http://schemas.openxmlformats.org/drawingml/2006/main" xmlns:r="http://schemas.openxmlformats.org/officeDocument/2006/relationships" xmlns:p="http://schemas.openxmlformats.org/presentationml/2006/main" type="obj" preserve="1">
   <p:cSld name="Title, Content">
     <p:spTree>
       <p:nvGrpSpPr>
@@ -674,15 +797,16 @@
           </a:prstGeom>
         </p:spPr>
         <p:txBody>
-          <a:bodyPr lIns="0" rIns="0" tIns="0" bIns="0" anchor="ctr"/>
-          <a:p>
-            <a:endParaRPr b="0" lang="de-DE" sz="8200" spc="-1" strike="noStrike">
-              <a:solidFill>
-                <a:srgbClr val="000000"/>
-              </a:solidFill>
-              <a:uFill>
-                <a:solidFill>
-                  <a:srgbClr val="ffffff"/>
+          <a:bodyPr lIns="0" tIns="0" rIns="0" bIns="0" anchor="ctr"/>
+          <a:lstStyle/>
+          <a:p>
+            <a:endParaRPr lang="de-DE" sz="8200" b="0" strike="noStrike" spc="-1">
+              <a:solidFill>
+                <a:srgbClr val="000000"/>
+              </a:solidFill>
+              <a:uFill>
+                <a:solidFill>
+                  <a:srgbClr val="FFFFFF"/>
                 </a:solidFill>
               </a:uFill>
               <a:latin typeface="Arial"/>
@@ -710,15 +834,16 @@
           </a:prstGeom>
         </p:spPr>
         <p:txBody>
-          <a:bodyPr lIns="0" rIns="0" tIns="0" bIns="0"/>
-          <a:p>
-            <a:endParaRPr b="0" lang="de-DE" sz="14600" spc="-1" strike="noStrike">
-              <a:solidFill>
-                <a:srgbClr val="000000"/>
-              </a:solidFill>
-              <a:uFill>
-                <a:solidFill>
-                  <a:srgbClr val="ffffff"/>
+          <a:bodyPr lIns="0" tIns="0" rIns="0" bIns="0"/>
+          <a:lstStyle/>
+          <a:p>
+            <a:endParaRPr lang="de-DE" sz="14600" b="0" strike="noStrike" spc="-1">
+              <a:solidFill>
+                <a:srgbClr val="000000"/>
+              </a:solidFill>
+              <a:uFill>
+                <a:solidFill>
+                  <a:srgbClr val="FFFFFF"/>
                 </a:solidFill>
               </a:uFill>
               <a:latin typeface="Calibri"/>
@@ -728,11 +853,14 @@
       </p:sp>
     </p:spTree>
   </p:cSld>
+  <p:clrMapOvr>
+    <a:masterClrMapping/>
+  </p:clrMapOvr>
 </p:sldLayout>
 </file>
 
 <file path=ppt/slideLayouts/slideLayout4.xml><?xml version="1.0" encoding="utf-8"?>
-<p:sldLayout xmlns:a="http://schemas.openxmlformats.org/drawingml/2006/main" xmlns:p="http://schemas.openxmlformats.org/presentationml/2006/main" xmlns:r="http://schemas.openxmlformats.org/officeDocument/2006/relationships" xmlns:p14="http://schemas.microsoft.com/office/powerpoint/2010/main" xmlns:p15="http://schemas.microsoft.com/office/powerpoint/2012/main" xmlns:mc="http://schemas.openxmlformats.org/markup-compatibility/2006" type="twoObj" preserve="1">
+<p:sldLayout xmlns:a="http://schemas.openxmlformats.org/drawingml/2006/main" xmlns:r="http://schemas.openxmlformats.org/officeDocument/2006/relationships" xmlns:p="http://schemas.openxmlformats.org/presentationml/2006/main" type="twoObj" preserve="1">
   <p:cSld name="Title, 2 Content">
     <p:spTree>
       <p:nvGrpSpPr>
@@ -768,15 +896,16 @@
           </a:prstGeom>
         </p:spPr>
         <p:txBody>
-          <a:bodyPr lIns="0" rIns="0" tIns="0" bIns="0" anchor="ctr"/>
-          <a:p>
-            <a:endParaRPr b="0" lang="de-DE" sz="8200" spc="-1" strike="noStrike">
-              <a:solidFill>
-                <a:srgbClr val="000000"/>
-              </a:solidFill>
-              <a:uFill>
-                <a:solidFill>
-                  <a:srgbClr val="ffffff"/>
+          <a:bodyPr lIns="0" tIns="0" rIns="0" bIns="0" anchor="ctr"/>
+          <a:lstStyle/>
+          <a:p>
+            <a:endParaRPr lang="de-DE" sz="8200" b="0" strike="noStrike" spc="-1">
+              <a:solidFill>
+                <a:srgbClr val="000000"/>
+              </a:solidFill>
+              <a:uFill>
+                <a:solidFill>
+                  <a:srgbClr val="FFFFFF"/>
                 </a:solidFill>
               </a:uFill>
               <a:latin typeface="Arial"/>
@@ -804,15 +933,16 @@
           </a:prstGeom>
         </p:spPr>
         <p:txBody>
-          <a:bodyPr lIns="0" rIns="0" tIns="0" bIns="0"/>
-          <a:p>
-            <a:endParaRPr b="0" lang="de-DE" sz="14600" spc="-1" strike="noStrike">
-              <a:solidFill>
-                <a:srgbClr val="000000"/>
-              </a:solidFill>
-              <a:uFill>
-                <a:solidFill>
-                  <a:srgbClr val="ffffff"/>
+          <a:bodyPr lIns="0" tIns="0" rIns="0" bIns="0"/>
+          <a:lstStyle/>
+          <a:p>
+            <a:endParaRPr lang="de-DE" sz="14600" b="0" strike="noStrike" spc="-1">
+              <a:solidFill>
+                <a:srgbClr val="000000"/>
+              </a:solidFill>
+              <a:uFill>
+                <a:solidFill>
+                  <a:srgbClr val="FFFFFF"/>
                 </a:solidFill>
               </a:uFill>
               <a:latin typeface="Calibri"/>
@@ -840,15 +970,16 @@
           </a:prstGeom>
         </p:spPr>
         <p:txBody>
-          <a:bodyPr lIns="0" rIns="0" tIns="0" bIns="0"/>
-          <a:p>
-            <a:endParaRPr b="0" lang="de-DE" sz="14600" spc="-1" strike="noStrike">
-              <a:solidFill>
-                <a:srgbClr val="000000"/>
-              </a:solidFill>
-              <a:uFill>
-                <a:solidFill>
-                  <a:srgbClr val="ffffff"/>
+          <a:bodyPr lIns="0" tIns="0" rIns="0" bIns="0"/>
+          <a:lstStyle/>
+          <a:p>
+            <a:endParaRPr lang="de-DE" sz="14600" b="0" strike="noStrike" spc="-1">
+              <a:solidFill>
+                <a:srgbClr val="000000"/>
+              </a:solidFill>
+              <a:uFill>
+                <a:solidFill>
+                  <a:srgbClr val="FFFFFF"/>
                 </a:solidFill>
               </a:uFill>
               <a:latin typeface="Calibri"/>
@@ -858,11 +989,14 @@
       </p:sp>
     </p:spTree>
   </p:cSld>
+  <p:clrMapOvr>
+    <a:masterClrMapping/>
+  </p:clrMapOvr>
 </p:sldLayout>
 </file>
 
 <file path=ppt/slideLayouts/slideLayout5.xml><?xml version="1.0" encoding="utf-8"?>
-<p:sldLayout xmlns:a="http://schemas.openxmlformats.org/drawingml/2006/main" xmlns:p="http://schemas.openxmlformats.org/presentationml/2006/main" xmlns:r="http://schemas.openxmlformats.org/officeDocument/2006/relationships" xmlns:p14="http://schemas.microsoft.com/office/powerpoint/2010/main" xmlns:p15="http://schemas.microsoft.com/office/powerpoint/2012/main" xmlns:mc="http://schemas.openxmlformats.org/markup-compatibility/2006" type="titleOnly" preserve="1">
+<p:sldLayout xmlns:a="http://schemas.openxmlformats.org/drawingml/2006/main" xmlns:r="http://schemas.openxmlformats.org/officeDocument/2006/relationships" xmlns:p="http://schemas.openxmlformats.org/presentationml/2006/main" type="titleOnly" preserve="1">
   <p:cSld name="Title Only">
     <p:spTree>
       <p:nvGrpSpPr>
@@ -898,15 +1032,16 @@
           </a:prstGeom>
         </p:spPr>
         <p:txBody>
-          <a:bodyPr lIns="0" rIns="0" tIns="0" bIns="0" anchor="ctr"/>
-          <a:p>
-            <a:endParaRPr b="0" lang="de-DE" sz="8200" spc="-1" strike="noStrike">
-              <a:solidFill>
-                <a:srgbClr val="000000"/>
-              </a:solidFill>
-              <a:uFill>
-                <a:solidFill>
-                  <a:srgbClr val="ffffff"/>
+          <a:bodyPr lIns="0" tIns="0" rIns="0" bIns="0" anchor="ctr"/>
+          <a:lstStyle/>
+          <a:p>
+            <a:endParaRPr lang="de-DE" sz="8200" b="0" strike="noStrike" spc="-1">
+              <a:solidFill>
+                <a:srgbClr val="000000"/>
+              </a:solidFill>
+              <a:uFill>
+                <a:solidFill>
+                  <a:srgbClr val="FFFFFF"/>
                 </a:solidFill>
               </a:uFill>
               <a:latin typeface="Arial"/>
@@ -916,11 +1051,14 @@
       </p:sp>
     </p:spTree>
   </p:cSld>
+  <p:clrMapOvr>
+    <a:masterClrMapping/>
+  </p:clrMapOvr>
 </p:sldLayout>
 </file>
 
 <file path=ppt/slideLayouts/slideLayout6.xml><?xml version="1.0" encoding="utf-8"?>
-<p:sldLayout xmlns:a="http://schemas.openxmlformats.org/drawingml/2006/main" xmlns:p="http://schemas.openxmlformats.org/presentationml/2006/main" xmlns:r="http://schemas.openxmlformats.org/officeDocument/2006/relationships" xmlns:p14="http://schemas.microsoft.com/office/powerpoint/2010/main" xmlns:p15="http://schemas.microsoft.com/office/powerpoint/2012/main" xmlns:mc="http://schemas.openxmlformats.org/markup-compatibility/2006" type="objOnly" preserve="1">
+<p:sldLayout xmlns:a="http://schemas.openxmlformats.org/drawingml/2006/main" xmlns:r="http://schemas.openxmlformats.org/officeDocument/2006/relationships" xmlns:p="http://schemas.openxmlformats.org/presentationml/2006/main" type="objOnly" preserve="1">
   <p:cSld name="Centered Text">
     <p:spTree>
       <p:nvGrpSpPr>
@@ -956,16 +1094,17 @@
           </a:prstGeom>
         </p:spPr>
         <p:txBody>
-          <a:bodyPr lIns="0" rIns="0" tIns="0" bIns="0" anchor="ctr"/>
+          <a:bodyPr lIns="0" tIns="0" rIns="0" bIns="0" anchor="ctr"/>
+          <a:lstStyle/>
           <a:p>
             <a:pPr algn="ctr"/>
-            <a:endParaRPr b="0" lang="de-DE" sz="3200" spc="-1" strike="noStrike">
-              <a:solidFill>
-                <a:srgbClr val="000000"/>
-              </a:solidFill>
-              <a:uFill>
-                <a:solidFill>
-                  <a:srgbClr val="ffffff"/>
+            <a:endParaRPr lang="de-DE" sz="3200" b="0" strike="noStrike" spc="-1">
+              <a:solidFill>
+                <a:srgbClr val="000000"/>
+              </a:solidFill>
+              <a:uFill>
+                <a:solidFill>
+                  <a:srgbClr val="FFFFFF"/>
                 </a:solidFill>
               </a:uFill>
               <a:latin typeface="Arial"/>
@@ -975,11 +1114,14 @@
       </p:sp>
     </p:spTree>
   </p:cSld>
+  <p:clrMapOvr>
+    <a:masterClrMapping/>
+  </p:clrMapOvr>
 </p:sldLayout>
 </file>
 
 <file path=ppt/slideLayouts/slideLayout7.xml><?xml version="1.0" encoding="utf-8"?>
-<p:sldLayout xmlns:a="http://schemas.openxmlformats.org/drawingml/2006/main" xmlns:p="http://schemas.openxmlformats.org/presentationml/2006/main" xmlns:r="http://schemas.openxmlformats.org/officeDocument/2006/relationships" xmlns:p14="http://schemas.microsoft.com/office/powerpoint/2010/main" xmlns:p15="http://schemas.microsoft.com/office/powerpoint/2012/main" xmlns:mc="http://schemas.openxmlformats.org/markup-compatibility/2006" type="twoObjAndObj" preserve="1">
+<p:sldLayout xmlns:a="http://schemas.openxmlformats.org/drawingml/2006/main" xmlns:r="http://schemas.openxmlformats.org/officeDocument/2006/relationships" xmlns:p="http://schemas.openxmlformats.org/presentationml/2006/main" type="twoObjAndObj" preserve="1">
   <p:cSld name="Title, 2 Content and Content">
     <p:spTree>
       <p:nvGrpSpPr>
@@ -1015,15 +1157,16 @@
           </a:prstGeom>
         </p:spPr>
         <p:txBody>
-          <a:bodyPr lIns="0" rIns="0" tIns="0" bIns="0" anchor="ctr"/>
-          <a:p>
-            <a:endParaRPr b="0" lang="de-DE" sz="8200" spc="-1" strike="noStrike">
-              <a:solidFill>
-                <a:srgbClr val="000000"/>
-              </a:solidFill>
-              <a:uFill>
-                <a:solidFill>
-                  <a:srgbClr val="ffffff"/>
+          <a:bodyPr lIns="0" tIns="0" rIns="0" bIns="0" anchor="ctr"/>
+          <a:lstStyle/>
+          <a:p>
+            <a:endParaRPr lang="de-DE" sz="8200" b="0" strike="noStrike" spc="-1">
+              <a:solidFill>
+                <a:srgbClr val="000000"/>
+              </a:solidFill>
+              <a:uFill>
+                <a:solidFill>
+                  <a:srgbClr val="FFFFFF"/>
                 </a:solidFill>
               </a:uFill>
               <a:latin typeface="Arial"/>
@@ -1051,15 +1194,16 @@
           </a:prstGeom>
         </p:spPr>
         <p:txBody>
-          <a:bodyPr lIns="0" rIns="0" tIns="0" bIns="0"/>
-          <a:p>
-            <a:endParaRPr b="0" lang="de-DE" sz="14600" spc="-1" strike="noStrike">
-              <a:solidFill>
-                <a:srgbClr val="000000"/>
-              </a:solidFill>
-              <a:uFill>
-                <a:solidFill>
-                  <a:srgbClr val="ffffff"/>
+          <a:bodyPr lIns="0" tIns="0" rIns="0" bIns="0"/>
+          <a:lstStyle/>
+          <a:p>
+            <a:endParaRPr lang="de-DE" sz="14600" b="0" strike="noStrike" spc="-1">
+              <a:solidFill>
+                <a:srgbClr val="000000"/>
+              </a:solidFill>
+              <a:uFill>
+                <a:solidFill>
+                  <a:srgbClr val="FFFFFF"/>
                 </a:solidFill>
               </a:uFill>
               <a:latin typeface="Calibri"/>
@@ -1087,15 +1231,16 @@
           </a:prstGeom>
         </p:spPr>
         <p:txBody>
-          <a:bodyPr lIns="0" rIns="0" tIns="0" bIns="0"/>
-          <a:p>
-            <a:endParaRPr b="0" lang="de-DE" sz="14600" spc="-1" strike="noStrike">
-              <a:solidFill>
-                <a:srgbClr val="000000"/>
-              </a:solidFill>
-              <a:uFill>
-                <a:solidFill>
-                  <a:srgbClr val="ffffff"/>
+          <a:bodyPr lIns="0" tIns="0" rIns="0" bIns="0"/>
+          <a:lstStyle/>
+          <a:p>
+            <a:endParaRPr lang="de-DE" sz="14600" b="0" strike="noStrike" spc="-1">
+              <a:solidFill>
+                <a:srgbClr val="000000"/>
+              </a:solidFill>
+              <a:uFill>
+                <a:solidFill>
+                  <a:srgbClr val="FFFFFF"/>
                 </a:solidFill>
               </a:uFill>
               <a:latin typeface="Calibri"/>
@@ -1123,15 +1268,16 @@
           </a:prstGeom>
         </p:spPr>
         <p:txBody>
-          <a:bodyPr lIns="0" rIns="0" tIns="0" bIns="0"/>
-          <a:p>
-            <a:endParaRPr b="0" lang="de-DE" sz="14600" spc="-1" strike="noStrike">
-              <a:solidFill>
-                <a:srgbClr val="000000"/>
-              </a:solidFill>
-              <a:uFill>
-                <a:solidFill>
-                  <a:srgbClr val="ffffff"/>
+          <a:bodyPr lIns="0" tIns="0" rIns="0" bIns="0"/>
+          <a:lstStyle/>
+          <a:p>
+            <a:endParaRPr lang="de-DE" sz="14600" b="0" strike="noStrike" spc="-1">
+              <a:solidFill>
+                <a:srgbClr val="000000"/>
+              </a:solidFill>
+              <a:uFill>
+                <a:solidFill>
+                  <a:srgbClr val="FFFFFF"/>
                 </a:solidFill>
               </a:uFill>
               <a:latin typeface="Calibri"/>
@@ -1141,11 +1287,14 @@
       </p:sp>
     </p:spTree>
   </p:cSld>
+  <p:clrMapOvr>
+    <a:masterClrMapping/>
+  </p:clrMapOvr>
 </p:sldLayout>
 </file>
 
 <file path=ppt/slideLayouts/slideLayout8.xml><?xml version="1.0" encoding="utf-8"?>
-<p:sldLayout xmlns:a="http://schemas.openxmlformats.org/drawingml/2006/main" xmlns:p="http://schemas.openxmlformats.org/presentationml/2006/main" xmlns:r="http://schemas.openxmlformats.org/officeDocument/2006/relationships" xmlns:p14="http://schemas.microsoft.com/office/powerpoint/2010/main" xmlns:p15="http://schemas.microsoft.com/office/powerpoint/2012/main" xmlns:mc="http://schemas.openxmlformats.org/markup-compatibility/2006" type="objAndTwoObj" preserve="1">
+<p:sldLayout xmlns:a="http://schemas.openxmlformats.org/drawingml/2006/main" xmlns:r="http://schemas.openxmlformats.org/officeDocument/2006/relationships" xmlns:p="http://schemas.openxmlformats.org/presentationml/2006/main" type="objAndTwoObj" preserve="1">
   <p:cSld name="Title Content and 2 Content">
     <p:spTree>
       <p:nvGrpSpPr>
@@ -1181,15 +1330,16 @@
           </a:prstGeom>
         </p:spPr>
         <p:txBody>
-          <a:bodyPr lIns="0" rIns="0" tIns="0" bIns="0" anchor="ctr"/>
-          <a:p>
-            <a:endParaRPr b="0" lang="de-DE" sz="8200" spc="-1" strike="noStrike">
-              <a:solidFill>
-                <a:srgbClr val="000000"/>
-              </a:solidFill>
-              <a:uFill>
-                <a:solidFill>
-                  <a:srgbClr val="ffffff"/>
+          <a:bodyPr lIns="0" tIns="0" rIns="0" bIns="0" anchor="ctr"/>
+          <a:lstStyle/>
+          <a:p>
+            <a:endParaRPr lang="de-DE" sz="8200" b="0" strike="noStrike" spc="-1">
+              <a:solidFill>
+                <a:srgbClr val="000000"/>
+              </a:solidFill>
+              <a:uFill>
+                <a:solidFill>
+                  <a:srgbClr val="FFFFFF"/>
                 </a:solidFill>
               </a:uFill>
               <a:latin typeface="Arial"/>
@@ -1217,15 +1367,16 @@
           </a:prstGeom>
         </p:spPr>
         <p:txBody>
-          <a:bodyPr lIns="0" rIns="0" tIns="0" bIns="0"/>
-          <a:p>
-            <a:endParaRPr b="0" lang="de-DE" sz="14600" spc="-1" strike="noStrike">
-              <a:solidFill>
-                <a:srgbClr val="000000"/>
-              </a:solidFill>
-              <a:uFill>
-                <a:solidFill>
-                  <a:srgbClr val="ffffff"/>
+          <a:bodyPr lIns="0" tIns="0" rIns="0" bIns="0"/>
+          <a:lstStyle/>
+          <a:p>
+            <a:endParaRPr lang="de-DE" sz="14600" b="0" strike="noStrike" spc="-1">
+              <a:solidFill>
+                <a:srgbClr val="000000"/>
+              </a:solidFill>
+              <a:uFill>
+                <a:solidFill>
+                  <a:srgbClr val="FFFFFF"/>
                 </a:solidFill>
               </a:uFill>
               <a:latin typeface="Calibri"/>
@@ -1253,15 +1404,16 @@
           </a:prstGeom>
         </p:spPr>
         <p:txBody>
-          <a:bodyPr lIns="0" rIns="0" tIns="0" bIns="0"/>
-          <a:p>
-            <a:endParaRPr b="0" lang="de-DE" sz="14600" spc="-1" strike="noStrike">
-              <a:solidFill>
-                <a:srgbClr val="000000"/>
-              </a:solidFill>
-              <a:uFill>
-                <a:solidFill>
-                  <a:srgbClr val="ffffff"/>
+          <a:bodyPr lIns="0" tIns="0" rIns="0" bIns="0"/>
+          <a:lstStyle/>
+          <a:p>
+            <a:endParaRPr lang="de-DE" sz="14600" b="0" strike="noStrike" spc="-1">
+              <a:solidFill>
+                <a:srgbClr val="000000"/>
+              </a:solidFill>
+              <a:uFill>
+                <a:solidFill>
+                  <a:srgbClr val="FFFFFF"/>
                 </a:solidFill>
               </a:uFill>
               <a:latin typeface="Calibri"/>
@@ -1289,15 +1441,16 @@
           </a:prstGeom>
         </p:spPr>
         <p:txBody>
-          <a:bodyPr lIns="0" rIns="0" tIns="0" bIns="0"/>
-          <a:p>
-            <a:endParaRPr b="0" lang="de-DE" sz="14600" spc="-1" strike="noStrike">
-              <a:solidFill>
-                <a:srgbClr val="000000"/>
-              </a:solidFill>
-              <a:uFill>
-                <a:solidFill>
-                  <a:srgbClr val="ffffff"/>
+          <a:bodyPr lIns="0" tIns="0" rIns="0" bIns="0"/>
+          <a:lstStyle/>
+          <a:p>
+            <a:endParaRPr lang="de-DE" sz="14600" b="0" strike="noStrike" spc="-1">
+              <a:solidFill>
+                <a:srgbClr val="000000"/>
+              </a:solidFill>
+              <a:uFill>
+                <a:solidFill>
+                  <a:srgbClr val="FFFFFF"/>
                 </a:solidFill>
               </a:uFill>
               <a:latin typeface="Calibri"/>
@@ -1307,11 +1460,14 @@
       </p:sp>
     </p:spTree>
   </p:cSld>
+  <p:clrMapOvr>
+    <a:masterClrMapping/>
+  </p:clrMapOvr>
 </p:sldLayout>
 </file>
 
 <file path=ppt/slideLayouts/slideLayout9.xml><?xml version="1.0" encoding="utf-8"?>
-<p:sldLayout xmlns:a="http://schemas.openxmlformats.org/drawingml/2006/main" xmlns:p="http://schemas.openxmlformats.org/presentationml/2006/main" xmlns:r="http://schemas.openxmlformats.org/officeDocument/2006/relationships" xmlns:p14="http://schemas.microsoft.com/office/powerpoint/2010/main" xmlns:p15="http://schemas.microsoft.com/office/powerpoint/2012/main" xmlns:mc="http://schemas.openxmlformats.org/markup-compatibility/2006" type="twoObjOverTx" preserve="1">
+<p:sldLayout xmlns:a="http://schemas.openxmlformats.org/drawingml/2006/main" xmlns:r="http://schemas.openxmlformats.org/officeDocument/2006/relationships" xmlns:p="http://schemas.openxmlformats.org/presentationml/2006/main" type="twoObjOverTx" preserve="1">
   <p:cSld name="Title, 2 Content over Content">
     <p:spTree>
       <p:nvGrpSpPr>
@@ -1347,15 +1503,16 @@
           </a:prstGeom>
         </p:spPr>
         <p:txBody>
-          <a:bodyPr lIns="0" rIns="0" tIns="0" bIns="0" anchor="ctr"/>
-          <a:p>
-            <a:endParaRPr b="0" lang="de-DE" sz="8200" spc="-1" strike="noStrike">
-              <a:solidFill>
-                <a:srgbClr val="000000"/>
-              </a:solidFill>
-              <a:uFill>
-                <a:solidFill>
-                  <a:srgbClr val="ffffff"/>
+          <a:bodyPr lIns="0" tIns="0" rIns="0" bIns="0" anchor="ctr"/>
+          <a:lstStyle/>
+          <a:p>
+            <a:endParaRPr lang="de-DE" sz="8200" b="0" strike="noStrike" spc="-1">
+              <a:solidFill>
+                <a:srgbClr val="000000"/>
+              </a:solidFill>
+              <a:uFill>
+                <a:solidFill>
+                  <a:srgbClr val="FFFFFF"/>
                 </a:solidFill>
               </a:uFill>
               <a:latin typeface="Arial"/>
@@ -1383,15 +1540,16 @@
           </a:prstGeom>
         </p:spPr>
         <p:txBody>
-          <a:bodyPr lIns="0" rIns="0" tIns="0" bIns="0"/>
-          <a:p>
-            <a:endParaRPr b="0" lang="de-DE" sz="14600" spc="-1" strike="noStrike">
-              <a:solidFill>
-                <a:srgbClr val="000000"/>
-              </a:solidFill>
-              <a:uFill>
-                <a:solidFill>
-                  <a:srgbClr val="ffffff"/>
+          <a:bodyPr lIns="0" tIns="0" rIns="0" bIns="0"/>
+          <a:lstStyle/>
+          <a:p>
+            <a:endParaRPr lang="de-DE" sz="14600" b="0" strike="noStrike" spc="-1">
+              <a:solidFill>
+                <a:srgbClr val="000000"/>
+              </a:solidFill>
+              <a:uFill>
+                <a:solidFill>
+                  <a:srgbClr val="FFFFFF"/>
                 </a:solidFill>
               </a:uFill>
               <a:latin typeface="Calibri"/>
@@ -1419,15 +1577,16 @@
           </a:prstGeom>
         </p:spPr>
         <p:txBody>
-          <a:bodyPr lIns="0" rIns="0" tIns="0" bIns="0"/>
-          <a:p>
-            <a:endParaRPr b="0" lang="de-DE" sz="14600" spc="-1" strike="noStrike">
-              <a:solidFill>
-                <a:srgbClr val="000000"/>
-              </a:solidFill>
-              <a:uFill>
-                <a:solidFill>
-                  <a:srgbClr val="ffffff"/>
+          <a:bodyPr lIns="0" tIns="0" rIns="0" bIns="0"/>
+          <a:lstStyle/>
+          <a:p>
+            <a:endParaRPr lang="de-DE" sz="14600" b="0" strike="noStrike" spc="-1">
+              <a:solidFill>
+                <a:srgbClr val="000000"/>
+              </a:solidFill>
+              <a:uFill>
+                <a:solidFill>
+                  <a:srgbClr val="FFFFFF"/>
                 </a:solidFill>
               </a:uFill>
               <a:latin typeface="Calibri"/>
@@ -1455,15 +1614,16 @@
           </a:prstGeom>
         </p:spPr>
         <p:txBody>
-          <a:bodyPr lIns="0" rIns="0" tIns="0" bIns="0"/>
-          <a:p>
-            <a:endParaRPr b="0" lang="de-DE" sz="14600" spc="-1" strike="noStrike">
-              <a:solidFill>
-                <a:srgbClr val="000000"/>
-              </a:solidFill>
-              <a:uFill>
-                <a:solidFill>
-                  <a:srgbClr val="ffffff"/>
+          <a:bodyPr lIns="0" tIns="0" rIns="0" bIns="0"/>
+          <a:lstStyle/>
+          <a:p>
+            <a:endParaRPr lang="de-DE" sz="14600" b="0" strike="noStrike" spc="-1">
+              <a:solidFill>
+                <a:srgbClr val="000000"/>
+              </a:solidFill>
+              <a:uFill>
+                <a:solidFill>
+                  <a:srgbClr val="FFFFFF"/>
                 </a:solidFill>
               </a:uFill>
               <a:latin typeface="Calibri"/>
@@ -1473,17 +1633,21 @@
       </p:sp>
     </p:spTree>
   </p:cSld>
+  <p:clrMapOvr>
+    <a:masterClrMapping/>
+  </p:clrMapOvr>
 </p:sldLayout>
 </file>
 
 <file path=ppt/slideMasters/slideMaster1.xml><?xml version="1.0" encoding="utf-8"?>
-<p:sldMaster xmlns:a="http://schemas.openxmlformats.org/drawingml/2006/main" xmlns:p="http://schemas.openxmlformats.org/presentationml/2006/main" xmlns:r="http://schemas.openxmlformats.org/officeDocument/2006/relationships" xmlns:p14="http://schemas.microsoft.com/office/powerpoint/2010/main" xmlns:p15="http://schemas.microsoft.com/office/powerpoint/2012/main" xmlns:mc="http://schemas.openxmlformats.org/markup-compatibility/2006">
+<p:sldMaster xmlns:a="http://schemas.openxmlformats.org/drawingml/2006/main" xmlns:r="http://schemas.openxmlformats.org/officeDocument/2006/relationships" xmlns:p="http://schemas.openxmlformats.org/presentationml/2006/main">
   <p:cSld>
     <p:bg>
       <p:bgPr>
         <a:solidFill>
-          <a:srgbClr val="ffffff"/>
+          <a:srgbClr val="FFFFFF"/>
         </a:solidFill>
+        <a:effectLst/>
       </p:bgPr>
     </p:bg>
     <p:spTree>
@@ -1502,12 +1666,12 @@
       </p:grpSpPr>
       <p:pic>
         <p:nvPicPr>
-          <p:cNvPr id="0" name="Grafik 3" descr=""/>
+          <p:cNvPr id="7" name="Grafik 3"/>
           <p:cNvPicPr/>
           <p:nvPr/>
         </p:nvPicPr>
         <p:blipFill>
-          <a:blip r:embed="rId2"/>
+          <a:blip r:embed="rId14"/>
           <a:stretch/>
         </p:blipFill>
         <p:spPr>
@@ -1525,7 +1689,7 @@
       </p:pic>
       <p:sp>
         <p:nvSpPr>
-          <p:cNvPr id="1" name="CustomShape 1"/>
+          <p:cNvPr id="8" name="CustomShape 1"/>
           <p:cNvSpPr/>
           <p:nvPr/>
         </p:nvSpPr>
@@ -1543,9 +1707,15 @@
           </a:ln>
         </p:spPr>
         <p:style>
-          <a:lnRef idx="0"/>
-          <a:fillRef idx="0"/>
-          <a:effectRef idx="0"/>
+          <a:lnRef idx="0">
+            <a:scrgbClr r="0" g="0" b="0"/>
+          </a:lnRef>
+          <a:fillRef idx="0">
+            <a:scrgbClr r="0" g="0" b="0"/>
+          </a:fillRef>
+          <a:effectRef idx="0">
+            <a:scrgbClr r="0" g="0" b="0"/>
+          </a:effectRef>
           <a:fontRef idx="minor"/>
         </p:style>
       </p:sp>
@@ -1569,13 +1739,20 @@
           </a:ln>
         </p:spPr>
         <p:style>
-          <a:lnRef idx="0"/>
-          <a:fillRef idx="0"/>
-          <a:effectRef idx="0"/>
+          <a:lnRef idx="0">
+            <a:scrgbClr r="0" g="0" b="0"/>
+          </a:lnRef>
+          <a:fillRef idx="0">
+            <a:scrgbClr r="0" g="0" b="0"/>
+          </a:fillRef>
+          <a:effectRef idx="0">
+            <a:scrgbClr r="0" g="0" b="0"/>
+          </a:effectRef>
           <a:fontRef idx="minor"/>
         </p:style>
         <p:txBody>
-          <a:bodyPr lIns="0" rIns="0" tIns="0" bIns="0"/>
+          <a:bodyPr lIns="0" tIns="0" rIns="0" bIns="0"/>
+          <a:lstStyle/>
           <a:p>
             <a:pPr>
               <a:lnSpc>
@@ -1583,13 +1760,13 @@
               </a:lnSpc>
             </a:pPr>
             <a:r>
-              <a:rPr b="0" lang="de-DE" sz="4000" spc="-1" strike="noStrike">
-                <a:solidFill>
-                  <a:srgbClr val="ffffff"/>
-                </a:solidFill>
-                <a:uFill>
-                  <a:solidFill>
-                    <a:srgbClr val="ffffff"/>
+              <a:rPr lang="de-DE" sz="4000" b="0" strike="noStrike" spc="-1">
+                <a:solidFill>
+                  <a:srgbClr val="FFFFFF"/>
+                </a:solidFill>
+                <a:uFill>
+                  <a:solidFill>
+                    <a:srgbClr val="FFFFFF"/>
                   </a:solidFill>
                 </a:uFill>
                 <a:latin typeface="Times New Roman"/>
@@ -1597,13 +1774,13 @@
               </a:rPr>
               <a:t>Albert-Ludwigs-Universität Freiburg</a:t>
             </a:r>
-            <a:endParaRPr b="0" lang="de-DE" sz="1800" spc="-1" strike="noStrike">
-              <a:solidFill>
-                <a:srgbClr val="000000"/>
-              </a:solidFill>
-              <a:uFill>
-                <a:solidFill>
-                  <a:srgbClr val="ffffff"/>
+            <a:endParaRPr lang="de-DE" sz="1800" b="0" strike="noStrike" spc="-1">
+              <a:solidFill>
+                <a:srgbClr val="000000"/>
+              </a:solidFill>
+              <a:uFill>
+                <a:solidFill>
+                  <a:srgbClr val="FFFFFF"/>
                 </a:solidFill>
               </a:uFill>
               <a:latin typeface="Arial"/>
@@ -1631,7 +1808,8 @@
           </a:prstGeom>
         </p:spPr>
         <p:txBody>
-          <a:bodyPr lIns="417600" rIns="417600" tIns="208800" bIns="208800"/>
+          <a:bodyPr lIns="417600" tIns="208800" rIns="417600" bIns="208800"/>
+          <a:lstStyle/>
           <a:p>
             <a:pPr marL="432000" indent="-324000">
               <a:buClr>
@@ -1642,13 +1820,13 @@
               <a:buChar char=""/>
             </a:pPr>
             <a:r>
-              <a:rPr b="0" lang="de-DE" sz="8000" spc="-1" strike="noStrike">
+              <a:rPr lang="de-DE" sz="8000" b="0" strike="noStrike" spc="-1">
                 <a:solidFill>
                   <a:srgbClr val="000000"/>
                 </a:solidFill>
                 <a:uFill>
                   <a:solidFill>
-                    <a:srgbClr val="ffffff"/>
+                    <a:srgbClr val="FFFFFF"/>
                   </a:solidFill>
                 </a:uFill>
                 <a:latin typeface="Arial"/>
@@ -1656,20 +1834,20 @@
               </a:rPr>
               <a:t>Format des Gliederungstextes durch Klicken bearbeiten</a:t>
             </a:r>
-            <a:endParaRPr b="0" lang="de-DE" sz="8000" spc="-1" strike="noStrike">
-              <a:solidFill>
-                <a:srgbClr val="000000"/>
-              </a:solidFill>
-              <a:uFill>
-                <a:solidFill>
-                  <a:srgbClr val="ffffff"/>
+            <a:endParaRPr lang="de-DE" sz="8000" b="0" strike="noStrike" spc="-1">
+              <a:solidFill>
+                <a:srgbClr val="000000"/>
+              </a:solidFill>
+              <a:uFill>
+                <a:solidFill>
+                  <a:srgbClr val="FFFFFF"/>
                 </a:solidFill>
               </a:uFill>
               <a:latin typeface="Calibri"/>
             </a:endParaRPr>
           </a:p>
           <a:p>
-            <a:pPr lvl="1" marL="864000" indent="-324000">
+            <a:pPr marL="864000" lvl="1" indent="-324000">
               <a:buClr>
                 <a:srgbClr val="000000"/>
               </a:buClr>
@@ -1678,13 +1856,13 @@
               <a:buChar char=""/>
             </a:pPr>
             <a:r>
-              <a:rPr b="0" lang="de-DE" sz="8000" spc="-1" strike="noStrike">
+              <a:rPr lang="de-DE" sz="8000" b="0" strike="noStrike" spc="-1">
                 <a:solidFill>
                   <a:srgbClr val="000000"/>
                 </a:solidFill>
                 <a:uFill>
                   <a:solidFill>
-                    <a:srgbClr val="ffffff"/>
+                    <a:srgbClr val="FFFFFF"/>
                   </a:solidFill>
                 </a:uFill>
                 <a:latin typeface="Arial"/>
@@ -1692,20 +1870,20 @@
               </a:rPr>
               <a:t>Zweite Gliederungsebene</a:t>
             </a:r>
-            <a:endParaRPr b="0" lang="de-DE" sz="8000" spc="-1" strike="noStrike">
-              <a:solidFill>
-                <a:srgbClr val="000000"/>
-              </a:solidFill>
-              <a:uFill>
-                <a:solidFill>
-                  <a:srgbClr val="ffffff"/>
+            <a:endParaRPr lang="de-DE" sz="8000" b="0" strike="noStrike" spc="-1">
+              <a:solidFill>
+                <a:srgbClr val="000000"/>
+              </a:solidFill>
+              <a:uFill>
+                <a:solidFill>
+                  <a:srgbClr val="FFFFFF"/>
                 </a:solidFill>
               </a:uFill>
               <a:latin typeface="Calibri"/>
             </a:endParaRPr>
           </a:p>
           <a:p>
-            <a:pPr lvl="2" marL="1296000" indent="-288000">
+            <a:pPr marL="1296000" lvl="2" indent="-288000">
               <a:buClr>
                 <a:srgbClr val="000000"/>
               </a:buClr>
@@ -1714,13 +1892,13 @@
               <a:buChar char=""/>
             </a:pPr>
             <a:r>
-              <a:rPr b="0" lang="de-DE" sz="8000" spc="-1" strike="noStrike">
+              <a:rPr lang="de-DE" sz="8000" b="0" strike="noStrike" spc="-1">
                 <a:solidFill>
                   <a:srgbClr val="000000"/>
                 </a:solidFill>
                 <a:uFill>
                   <a:solidFill>
-                    <a:srgbClr val="ffffff"/>
+                    <a:srgbClr val="FFFFFF"/>
                   </a:solidFill>
                 </a:uFill>
                 <a:latin typeface="Arial"/>
@@ -1728,20 +1906,20 @@
               </a:rPr>
               <a:t>Dritte Gliederungsebene</a:t>
             </a:r>
-            <a:endParaRPr b="0" lang="de-DE" sz="8000" spc="-1" strike="noStrike">
-              <a:solidFill>
-                <a:srgbClr val="000000"/>
-              </a:solidFill>
-              <a:uFill>
-                <a:solidFill>
-                  <a:srgbClr val="ffffff"/>
+            <a:endParaRPr lang="de-DE" sz="8000" b="0" strike="noStrike" spc="-1">
+              <a:solidFill>
+                <a:srgbClr val="000000"/>
+              </a:solidFill>
+              <a:uFill>
+                <a:solidFill>
+                  <a:srgbClr val="FFFFFF"/>
                 </a:solidFill>
               </a:uFill>
               <a:latin typeface="Calibri"/>
             </a:endParaRPr>
           </a:p>
           <a:p>
-            <a:pPr lvl="3" marL="1728000" indent="-216000">
+            <a:pPr marL="1728000" lvl="3" indent="-216000">
               <a:buClr>
                 <a:srgbClr val="000000"/>
               </a:buClr>
@@ -1750,13 +1928,13 @@
               <a:buChar char=""/>
             </a:pPr>
             <a:r>
-              <a:rPr b="0" lang="de-DE" sz="8000" spc="-1" strike="noStrike">
+              <a:rPr lang="de-DE" sz="8000" b="0" strike="noStrike" spc="-1">
                 <a:solidFill>
                   <a:srgbClr val="000000"/>
                 </a:solidFill>
                 <a:uFill>
                   <a:solidFill>
-                    <a:srgbClr val="ffffff"/>
+                    <a:srgbClr val="FFFFFF"/>
                   </a:solidFill>
                 </a:uFill>
                 <a:latin typeface="Arial"/>
@@ -1764,20 +1942,20 @@
               </a:rPr>
               <a:t>Vierte Gliederungsebene</a:t>
             </a:r>
-            <a:endParaRPr b="0" lang="de-DE" sz="8000" spc="-1" strike="noStrike">
-              <a:solidFill>
-                <a:srgbClr val="000000"/>
-              </a:solidFill>
-              <a:uFill>
-                <a:solidFill>
-                  <a:srgbClr val="ffffff"/>
+            <a:endParaRPr lang="de-DE" sz="8000" b="0" strike="noStrike" spc="-1">
+              <a:solidFill>
+                <a:srgbClr val="000000"/>
+              </a:solidFill>
+              <a:uFill>
+                <a:solidFill>
+                  <a:srgbClr val="FFFFFF"/>
                 </a:solidFill>
               </a:uFill>
               <a:latin typeface="Calibri"/>
             </a:endParaRPr>
           </a:p>
           <a:p>
-            <a:pPr lvl="4" marL="2160000" indent="-216000">
+            <a:pPr marL="2160000" lvl="4" indent="-216000">
               <a:buClr>
                 <a:srgbClr val="000000"/>
               </a:buClr>
@@ -1786,13 +1964,13 @@
               <a:buChar char=""/>
             </a:pPr>
             <a:r>
-              <a:rPr b="0" lang="de-DE" sz="8000" spc="-1" strike="noStrike">
+              <a:rPr lang="de-DE" sz="8000" b="0" strike="noStrike" spc="-1">
                 <a:solidFill>
                   <a:srgbClr val="000000"/>
                 </a:solidFill>
                 <a:uFill>
                   <a:solidFill>
-                    <a:srgbClr val="ffffff"/>
+                    <a:srgbClr val="FFFFFF"/>
                   </a:solidFill>
                 </a:uFill>
                 <a:latin typeface="Arial"/>
@@ -1800,20 +1978,20 @@
               </a:rPr>
               <a:t>Fünfte Gliederungsebene</a:t>
             </a:r>
-            <a:endParaRPr b="0" lang="de-DE" sz="8000" spc="-1" strike="noStrike">
-              <a:solidFill>
-                <a:srgbClr val="000000"/>
-              </a:solidFill>
-              <a:uFill>
-                <a:solidFill>
-                  <a:srgbClr val="ffffff"/>
+            <a:endParaRPr lang="de-DE" sz="8000" b="0" strike="noStrike" spc="-1">
+              <a:solidFill>
+                <a:srgbClr val="000000"/>
+              </a:solidFill>
+              <a:uFill>
+                <a:solidFill>
+                  <a:srgbClr val="FFFFFF"/>
                 </a:solidFill>
               </a:uFill>
               <a:latin typeface="Calibri"/>
             </a:endParaRPr>
           </a:p>
           <a:p>
-            <a:pPr lvl="5" marL="2592000" indent="-216000">
+            <a:pPr marL="2592000" lvl="5" indent="-216000">
               <a:buClr>
                 <a:srgbClr val="000000"/>
               </a:buClr>
@@ -1822,13 +2000,13 @@
               <a:buChar char=""/>
             </a:pPr>
             <a:r>
-              <a:rPr b="0" lang="de-DE" sz="8000" spc="-1" strike="noStrike">
+              <a:rPr lang="de-DE" sz="8000" b="0" strike="noStrike" spc="-1">
                 <a:solidFill>
                   <a:srgbClr val="000000"/>
                 </a:solidFill>
                 <a:uFill>
                   <a:solidFill>
-                    <a:srgbClr val="ffffff"/>
+                    <a:srgbClr val="FFFFFF"/>
                   </a:solidFill>
                 </a:uFill>
                 <a:latin typeface="Arial"/>
@@ -1836,13 +2014,13 @@
               </a:rPr>
               <a:t>Sechste Gliederungsebene</a:t>
             </a:r>
-            <a:endParaRPr b="0" lang="de-DE" sz="8000" spc="-1" strike="noStrike">
-              <a:solidFill>
-                <a:srgbClr val="000000"/>
-              </a:solidFill>
-              <a:uFill>
-                <a:solidFill>
-                  <a:srgbClr val="ffffff"/>
+            <a:endParaRPr lang="de-DE" sz="8000" b="0" strike="noStrike" spc="-1">
+              <a:solidFill>
+                <a:srgbClr val="000000"/>
+              </a:solidFill>
+              <a:uFill>
+                <a:solidFill>
+                  <a:srgbClr val="FFFFFF"/>
                 </a:solidFill>
               </a:uFill>
               <a:latin typeface="Calibri"/>
@@ -1855,13 +2033,13 @@
               </a:lnSpc>
             </a:pPr>
             <a:r>
-              <a:rPr b="0" lang="de-DE" sz="8000" spc="-1" strike="noStrike">
+              <a:rPr lang="de-DE" sz="8000" b="0" strike="noStrike" spc="-1">
                 <a:solidFill>
                   <a:srgbClr val="000000"/>
                 </a:solidFill>
                 <a:uFill>
                   <a:solidFill>
-                    <a:srgbClr val="ffffff"/>
+                    <a:srgbClr val="FFFFFF"/>
                   </a:solidFill>
                 </a:uFill>
                 <a:latin typeface="Arial"/>
@@ -1869,13 +2047,13 @@
               </a:rPr>
               <a:t>Siebte GliederungsebeneBild durch Klicken auf Symbol hinzufügen</a:t>
             </a:r>
-            <a:endParaRPr b="0" lang="de-DE" sz="8000" spc="-1" strike="noStrike">
-              <a:solidFill>
-                <a:srgbClr val="000000"/>
-              </a:solidFill>
-              <a:uFill>
-                <a:solidFill>
-                  <a:srgbClr val="ffffff"/>
+            <a:endParaRPr lang="de-DE" sz="8000" b="0" strike="noStrike" spc="-1">
+              <a:solidFill>
+                <a:srgbClr val="000000"/>
+              </a:solidFill>
+              <a:uFill>
+                <a:solidFill>
+                  <a:srgbClr val="FFFFFF"/>
                 </a:solidFill>
               </a:uFill>
               <a:latin typeface="Calibri"/>
@@ -1903,7 +2081,8 @@
           </a:prstGeom>
         </p:spPr>
         <p:txBody>
-          <a:bodyPr lIns="0" rIns="0" tIns="0" bIns="0" anchor="ctr"/>
+          <a:bodyPr lIns="0" tIns="0" rIns="0" bIns="0" anchor="ctr"/>
+          <a:lstStyle/>
           <a:p>
             <a:pPr>
               <a:lnSpc>
@@ -1911,13 +2090,13 @@
               </a:lnSpc>
             </a:pPr>
             <a:r>
-              <a:rPr b="0" lang="de-DE" sz="16000" spc="-1" strike="noStrike">
-                <a:solidFill>
-                  <a:srgbClr val="ffffff"/>
-                </a:solidFill>
-                <a:uFill>
-                  <a:solidFill>
-                    <a:srgbClr val="ffffff"/>
+              <a:rPr lang="de-DE" sz="16000" b="0" strike="noStrike" spc="-1">
+                <a:solidFill>
+                  <a:srgbClr val="FFFFFF"/>
+                </a:solidFill>
+                <a:uFill>
+                  <a:solidFill>
+                    <a:srgbClr val="FFFFFF"/>
                   </a:solidFill>
                 </a:uFill>
                 <a:latin typeface="Times New Roman"/>
@@ -1925,13 +2104,13 @@
               </a:rPr>
               <a:t>Titelmasterformat durch Klicken bearbeiten</a:t>
             </a:r>
-            <a:endParaRPr b="0" lang="de-DE" sz="8200" spc="-1" strike="noStrike">
-              <a:solidFill>
-                <a:srgbClr val="000000"/>
-              </a:solidFill>
-              <a:uFill>
-                <a:solidFill>
-                  <a:srgbClr val="ffffff"/>
+            <a:endParaRPr lang="de-DE" sz="8200" b="0" strike="noStrike" spc="-1">
+              <a:solidFill>
+                <a:srgbClr val="000000"/>
+              </a:solidFill>
+              <a:uFill>
+                <a:solidFill>
+                  <a:srgbClr val="FFFFFF"/>
                 </a:solidFill>
               </a:uFill>
               <a:latin typeface="Arial"/>
@@ -1959,7 +2138,8 @@
           </a:prstGeom>
         </p:spPr>
         <p:txBody>
-          <a:bodyPr lIns="0" rIns="0" tIns="0" bIns="0"/>
+          <a:bodyPr lIns="0" tIns="0" rIns="0" bIns="0"/>
+          <a:lstStyle/>
           <a:p>
             <a:pPr marL="432000" indent="-324000">
               <a:buClr>
@@ -1970,13 +2150,13 @@
               <a:buChar char=""/>
             </a:pPr>
             <a:r>
-              <a:rPr b="0" lang="de-DE" sz="12000" spc="-1" strike="noStrike">
+              <a:rPr lang="de-DE" sz="12000" b="0" strike="noStrike" spc="-1">
                 <a:solidFill>
                   <a:srgbClr val="000000"/>
                 </a:solidFill>
                 <a:uFill>
                   <a:solidFill>
-                    <a:srgbClr val="ffffff"/>
+                    <a:srgbClr val="FFFFFF"/>
                   </a:solidFill>
                 </a:uFill>
                 <a:latin typeface="Times New Roman"/>
@@ -1984,20 +2164,20 @@
               </a:rPr>
               <a:t>Format des Gliederungstextes durch Klicken bearbeiten</a:t>
             </a:r>
-            <a:endParaRPr b="0" lang="de-DE" sz="12000" spc="-1" strike="noStrike">
-              <a:solidFill>
-                <a:srgbClr val="000000"/>
-              </a:solidFill>
-              <a:uFill>
-                <a:solidFill>
-                  <a:srgbClr val="ffffff"/>
+            <a:endParaRPr lang="de-DE" sz="12000" b="0" strike="noStrike" spc="-1">
+              <a:solidFill>
+                <a:srgbClr val="000000"/>
+              </a:solidFill>
+              <a:uFill>
+                <a:solidFill>
+                  <a:srgbClr val="FFFFFF"/>
                 </a:solidFill>
               </a:uFill>
               <a:latin typeface="Calibri"/>
             </a:endParaRPr>
           </a:p>
           <a:p>
-            <a:pPr lvl="1" marL="864000" indent="-324000">
+            <a:pPr marL="864000" lvl="1" indent="-324000">
               <a:buClr>
                 <a:srgbClr val="000000"/>
               </a:buClr>
@@ -2006,13 +2186,13 @@
               <a:buChar char=""/>
             </a:pPr>
             <a:r>
-              <a:rPr b="0" lang="de-DE" sz="12000" spc="-1" strike="noStrike">
+              <a:rPr lang="de-DE" sz="12000" b="0" strike="noStrike" spc="-1">
                 <a:solidFill>
                   <a:srgbClr val="000000"/>
                 </a:solidFill>
                 <a:uFill>
                   <a:solidFill>
-                    <a:srgbClr val="ffffff"/>
+                    <a:srgbClr val="FFFFFF"/>
                   </a:solidFill>
                 </a:uFill>
                 <a:latin typeface="Times New Roman"/>
@@ -2020,20 +2200,20 @@
               </a:rPr>
               <a:t>Zweite Gliederungsebene</a:t>
             </a:r>
-            <a:endParaRPr b="0" lang="de-DE" sz="12000" spc="-1" strike="noStrike">
-              <a:solidFill>
-                <a:srgbClr val="000000"/>
-              </a:solidFill>
-              <a:uFill>
-                <a:solidFill>
-                  <a:srgbClr val="ffffff"/>
+            <a:endParaRPr lang="de-DE" sz="12000" b="0" strike="noStrike" spc="-1">
+              <a:solidFill>
+                <a:srgbClr val="000000"/>
+              </a:solidFill>
+              <a:uFill>
+                <a:solidFill>
+                  <a:srgbClr val="FFFFFF"/>
                 </a:solidFill>
               </a:uFill>
               <a:latin typeface="Calibri"/>
             </a:endParaRPr>
           </a:p>
           <a:p>
-            <a:pPr lvl="2" marL="1296000" indent="-288000">
+            <a:pPr marL="1296000" lvl="2" indent="-288000">
               <a:buClr>
                 <a:srgbClr val="000000"/>
               </a:buClr>
@@ -2042,13 +2222,13 @@
               <a:buChar char=""/>
             </a:pPr>
             <a:r>
-              <a:rPr b="0" lang="de-DE" sz="12000" spc="-1" strike="noStrike">
+              <a:rPr lang="de-DE" sz="12000" b="0" strike="noStrike" spc="-1">
                 <a:solidFill>
                   <a:srgbClr val="000000"/>
                 </a:solidFill>
                 <a:uFill>
                   <a:solidFill>
-                    <a:srgbClr val="ffffff"/>
+                    <a:srgbClr val="FFFFFF"/>
                   </a:solidFill>
                 </a:uFill>
                 <a:latin typeface="Times New Roman"/>
@@ -2056,20 +2236,20 @@
               </a:rPr>
               <a:t>Dritte Gliederungsebene</a:t>
             </a:r>
-            <a:endParaRPr b="0" lang="de-DE" sz="12000" spc="-1" strike="noStrike">
-              <a:solidFill>
-                <a:srgbClr val="000000"/>
-              </a:solidFill>
-              <a:uFill>
-                <a:solidFill>
-                  <a:srgbClr val="ffffff"/>
+            <a:endParaRPr lang="de-DE" sz="12000" b="0" strike="noStrike" spc="-1">
+              <a:solidFill>
+                <a:srgbClr val="000000"/>
+              </a:solidFill>
+              <a:uFill>
+                <a:solidFill>
+                  <a:srgbClr val="FFFFFF"/>
                 </a:solidFill>
               </a:uFill>
               <a:latin typeface="Calibri"/>
             </a:endParaRPr>
           </a:p>
           <a:p>
-            <a:pPr lvl="3" marL="1728000" indent="-216000">
+            <a:pPr marL="1728000" lvl="3" indent="-216000">
               <a:buClr>
                 <a:srgbClr val="000000"/>
               </a:buClr>
@@ -2078,13 +2258,13 @@
               <a:buChar char=""/>
             </a:pPr>
             <a:r>
-              <a:rPr b="0" lang="de-DE" sz="12000" spc="-1" strike="noStrike">
+              <a:rPr lang="de-DE" sz="12000" b="0" strike="noStrike" spc="-1">
                 <a:solidFill>
                   <a:srgbClr val="000000"/>
                 </a:solidFill>
                 <a:uFill>
                   <a:solidFill>
-                    <a:srgbClr val="ffffff"/>
+                    <a:srgbClr val="FFFFFF"/>
                   </a:solidFill>
                 </a:uFill>
                 <a:latin typeface="Times New Roman"/>
@@ -2092,20 +2272,20 @@
               </a:rPr>
               <a:t>Vierte Gliederungsebene</a:t>
             </a:r>
-            <a:endParaRPr b="0" lang="de-DE" sz="12000" spc="-1" strike="noStrike">
-              <a:solidFill>
-                <a:srgbClr val="000000"/>
-              </a:solidFill>
-              <a:uFill>
-                <a:solidFill>
-                  <a:srgbClr val="ffffff"/>
+            <a:endParaRPr lang="de-DE" sz="12000" b="0" strike="noStrike" spc="-1">
+              <a:solidFill>
+                <a:srgbClr val="000000"/>
+              </a:solidFill>
+              <a:uFill>
+                <a:solidFill>
+                  <a:srgbClr val="FFFFFF"/>
                 </a:solidFill>
               </a:uFill>
               <a:latin typeface="Calibri"/>
             </a:endParaRPr>
           </a:p>
           <a:p>
-            <a:pPr lvl="4" marL="2160000" indent="-216000">
+            <a:pPr marL="2160000" lvl="4" indent="-216000">
               <a:buClr>
                 <a:srgbClr val="000000"/>
               </a:buClr>
@@ -2114,13 +2294,13 @@
               <a:buChar char=""/>
             </a:pPr>
             <a:r>
-              <a:rPr b="0" lang="de-DE" sz="12000" spc="-1" strike="noStrike">
+              <a:rPr lang="de-DE" sz="12000" b="0" strike="noStrike" spc="-1">
                 <a:solidFill>
                   <a:srgbClr val="000000"/>
                 </a:solidFill>
                 <a:uFill>
                   <a:solidFill>
-                    <a:srgbClr val="ffffff"/>
+                    <a:srgbClr val="FFFFFF"/>
                   </a:solidFill>
                 </a:uFill>
                 <a:latin typeface="Times New Roman"/>
@@ -2128,20 +2308,20 @@
               </a:rPr>
               <a:t>Fünfte Gliederungsebene</a:t>
             </a:r>
-            <a:endParaRPr b="0" lang="de-DE" sz="12000" spc="-1" strike="noStrike">
-              <a:solidFill>
-                <a:srgbClr val="000000"/>
-              </a:solidFill>
-              <a:uFill>
-                <a:solidFill>
-                  <a:srgbClr val="ffffff"/>
+            <a:endParaRPr lang="de-DE" sz="12000" b="0" strike="noStrike" spc="-1">
+              <a:solidFill>
+                <a:srgbClr val="000000"/>
+              </a:solidFill>
+              <a:uFill>
+                <a:solidFill>
+                  <a:srgbClr val="FFFFFF"/>
                 </a:solidFill>
               </a:uFill>
               <a:latin typeface="Calibri"/>
             </a:endParaRPr>
           </a:p>
           <a:p>
-            <a:pPr lvl="5" marL="2592000" indent="-216000">
+            <a:pPr marL="2592000" lvl="5" indent="-216000">
               <a:buClr>
                 <a:srgbClr val="000000"/>
               </a:buClr>
@@ -2150,13 +2330,13 @@
               <a:buChar char=""/>
             </a:pPr>
             <a:r>
-              <a:rPr b="0" lang="de-DE" sz="12000" spc="-1" strike="noStrike">
+              <a:rPr lang="de-DE" sz="12000" b="0" strike="noStrike" spc="-1">
                 <a:solidFill>
                   <a:srgbClr val="000000"/>
                 </a:solidFill>
                 <a:uFill>
                   <a:solidFill>
-                    <a:srgbClr val="ffffff"/>
+                    <a:srgbClr val="FFFFFF"/>
                   </a:solidFill>
                 </a:uFill>
                 <a:latin typeface="Times New Roman"/>
@@ -2164,13 +2344,13 @@
               </a:rPr>
               <a:t>Sechste Gliederungsebene</a:t>
             </a:r>
-            <a:endParaRPr b="0" lang="de-DE" sz="12000" spc="-1" strike="noStrike">
-              <a:solidFill>
-                <a:srgbClr val="000000"/>
-              </a:solidFill>
-              <a:uFill>
-                <a:solidFill>
-                  <a:srgbClr val="ffffff"/>
+            <a:endParaRPr lang="de-DE" sz="12000" b="0" strike="noStrike" spc="-1">
+              <a:solidFill>
+                <a:srgbClr val="000000"/>
+              </a:solidFill>
+              <a:uFill>
+                <a:solidFill>
+                  <a:srgbClr val="FFFFFF"/>
                 </a:solidFill>
               </a:uFill>
               <a:latin typeface="Calibri"/>
@@ -2183,13 +2363,13 @@
               </a:lnSpc>
             </a:pPr>
             <a:r>
-              <a:rPr b="0" lang="de-DE" sz="12000" spc="-1" strike="noStrike">
+              <a:rPr lang="de-DE" sz="12000" b="0" strike="noStrike" spc="-1">
                 <a:solidFill>
                   <a:srgbClr val="000000"/>
                 </a:solidFill>
                 <a:uFill>
                   <a:solidFill>
-                    <a:srgbClr val="ffffff"/>
+                    <a:srgbClr val="FFFFFF"/>
                   </a:solidFill>
                 </a:uFill>
                 <a:latin typeface="Times New Roman"/>
@@ -2197,13 +2377,13 @@
               </a:rPr>
               <a:t>Siebte GliederungsebeneTextmasterformate durch Klicken bearbeiten</a:t>
             </a:r>
-            <a:endParaRPr b="0" lang="de-DE" sz="12000" spc="-1" strike="noStrike">
-              <a:solidFill>
-                <a:srgbClr val="000000"/>
-              </a:solidFill>
-              <a:uFill>
-                <a:solidFill>
-                  <a:srgbClr val="ffffff"/>
+            <a:endParaRPr lang="de-DE" sz="12000" b="0" strike="noStrike" spc="-1">
+              <a:solidFill>
+                <a:srgbClr val="000000"/>
+              </a:solidFill>
+              <a:uFill>
+                <a:solidFill>
+                  <a:srgbClr val="FFFFFF"/>
                 </a:solidFill>
               </a:uFill>
               <a:latin typeface="Calibri"/>
@@ -2231,7 +2411,8 @@
           </a:prstGeom>
         </p:spPr>
         <p:txBody>
-          <a:bodyPr lIns="0" rIns="0" tIns="0" bIns="0"/>
+          <a:bodyPr lIns="0" tIns="0" rIns="0" bIns="0"/>
+          <a:lstStyle/>
           <a:p>
             <a:pPr marL="432000" indent="-324000">
               <a:buClr>
@@ -2242,13 +2423,13 @@
               <a:buChar char=""/>
             </a:pPr>
             <a:r>
-              <a:rPr b="0" lang="de-DE" sz="8000" spc="-1" strike="noStrike">
+              <a:rPr lang="de-DE" sz="8000" b="0" strike="noStrike" spc="-1">
                 <a:solidFill>
                   <a:srgbClr val="000000"/>
                 </a:solidFill>
                 <a:uFill>
                   <a:solidFill>
-                    <a:srgbClr val="ffffff"/>
+                    <a:srgbClr val="FFFFFF"/>
                   </a:solidFill>
                 </a:uFill>
                 <a:latin typeface="Arial"/>
@@ -2256,20 +2437,20 @@
               </a:rPr>
               <a:t>Format des Gliederungstextes durch Klicken bearbeiten</a:t>
             </a:r>
-            <a:endParaRPr b="0" lang="de-DE" sz="8000" spc="-1" strike="noStrike">
-              <a:solidFill>
-                <a:srgbClr val="000000"/>
-              </a:solidFill>
-              <a:uFill>
-                <a:solidFill>
-                  <a:srgbClr val="ffffff"/>
+            <a:endParaRPr lang="de-DE" sz="8000" b="0" strike="noStrike" spc="-1">
+              <a:solidFill>
+                <a:srgbClr val="000000"/>
+              </a:solidFill>
+              <a:uFill>
+                <a:solidFill>
+                  <a:srgbClr val="FFFFFF"/>
                 </a:solidFill>
               </a:uFill>
               <a:latin typeface="Calibri"/>
             </a:endParaRPr>
           </a:p>
           <a:p>
-            <a:pPr lvl="1" marL="864000" indent="-324000">
+            <a:pPr marL="864000" lvl="1" indent="-324000">
               <a:buClr>
                 <a:srgbClr val="000000"/>
               </a:buClr>
@@ -2278,13 +2459,13 @@
               <a:buChar char=""/>
             </a:pPr>
             <a:r>
-              <a:rPr b="0" lang="de-DE" sz="8000" spc="-1" strike="noStrike">
+              <a:rPr lang="de-DE" sz="8000" b="0" strike="noStrike" spc="-1">
                 <a:solidFill>
                   <a:srgbClr val="000000"/>
                 </a:solidFill>
                 <a:uFill>
                   <a:solidFill>
-                    <a:srgbClr val="ffffff"/>
+                    <a:srgbClr val="FFFFFF"/>
                   </a:solidFill>
                 </a:uFill>
                 <a:latin typeface="Arial"/>
@@ -2292,20 +2473,20 @@
               </a:rPr>
               <a:t>Zweite Gliederungsebene</a:t>
             </a:r>
-            <a:endParaRPr b="0" lang="de-DE" sz="8000" spc="-1" strike="noStrike">
-              <a:solidFill>
-                <a:srgbClr val="000000"/>
-              </a:solidFill>
-              <a:uFill>
-                <a:solidFill>
-                  <a:srgbClr val="ffffff"/>
+            <a:endParaRPr lang="de-DE" sz="8000" b="0" strike="noStrike" spc="-1">
+              <a:solidFill>
+                <a:srgbClr val="000000"/>
+              </a:solidFill>
+              <a:uFill>
+                <a:solidFill>
+                  <a:srgbClr val="FFFFFF"/>
                 </a:solidFill>
               </a:uFill>
               <a:latin typeface="Calibri"/>
             </a:endParaRPr>
           </a:p>
           <a:p>
-            <a:pPr lvl="2" marL="1296000" indent="-288000">
+            <a:pPr marL="1296000" lvl="2" indent="-288000">
               <a:buClr>
                 <a:srgbClr val="000000"/>
               </a:buClr>
@@ -2314,13 +2495,13 @@
               <a:buChar char=""/>
             </a:pPr>
             <a:r>
-              <a:rPr b="0" lang="de-DE" sz="8000" spc="-1" strike="noStrike">
+              <a:rPr lang="de-DE" sz="8000" b="0" strike="noStrike" spc="-1">
                 <a:solidFill>
                   <a:srgbClr val="000000"/>
                 </a:solidFill>
                 <a:uFill>
                   <a:solidFill>
-                    <a:srgbClr val="ffffff"/>
+                    <a:srgbClr val="FFFFFF"/>
                   </a:solidFill>
                 </a:uFill>
                 <a:latin typeface="Arial"/>
@@ -2328,20 +2509,20 @@
               </a:rPr>
               <a:t>Dritte Gliederungsebene</a:t>
             </a:r>
-            <a:endParaRPr b="0" lang="de-DE" sz="8000" spc="-1" strike="noStrike">
-              <a:solidFill>
-                <a:srgbClr val="000000"/>
-              </a:solidFill>
-              <a:uFill>
-                <a:solidFill>
-                  <a:srgbClr val="ffffff"/>
+            <a:endParaRPr lang="de-DE" sz="8000" b="0" strike="noStrike" spc="-1">
+              <a:solidFill>
+                <a:srgbClr val="000000"/>
+              </a:solidFill>
+              <a:uFill>
+                <a:solidFill>
+                  <a:srgbClr val="FFFFFF"/>
                 </a:solidFill>
               </a:uFill>
               <a:latin typeface="Calibri"/>
             </a:endParaRPr>
           </a:p>
           <a:p>
-            <a:pPr lvl="3" marL="1728000" indent="-216000">
+            <a:pPr marL="1728000" lvl="3" indent="-216000">
               <a:buClr>
                 <a:srgbClr val="000000"/>
               </a:buClr>
@@ -2350,13 +2531,13 @@
               <a:buChar char=""/>
             </a:pPr>
             <a:r>
-              <a:rPr b="0" lang="de-DE" sz="8000" spc="-1" strike="noStrike">
+              <a:rPr lang="de-DE" sz="8000" b="0" strike="noStrike" spc="-1">
                 <a:solidFill>
                   <a:srgbClr val="000000"/>
                 </a:solidFill>
                 <a:uFill>
                   <a:solidFill>
-                    <a:srgbClr val="ffffff"/>
+                    <a:srgbClr val="FFFFFF"/>
                   </a:solidFill>
                 </a:uFill>
                 <a:latin typeface="Arial"/>
@@ -2364,20 +2545,20 @@
               </a:rPr>
               <a:t>Vierte Gliederungsebene</a:t>
             </a:r>
-            <a:endParaRPr b="0" lang="de-DE" sz="8000" spc="-1" strike="noStrike">
-              <a:solidFill>
-                <a:srgbClr val="000000"/>
-              </a:solidFill>
-              <a:uFill>
-                <a:solidFill>
-                  <a:srgbClr val="ffffff"/>
+            <a:endParaRPr lang="de-DE" sz="8000" b="0" strike="noStrike" spc="-1">
+              <a:solidFill>
+                <a:srgbClr val="000000"/>
+              </a:solidFill>
+              <a:uFill>
+                <a:solidFill>
+                  <a:srgbClr val="FFFFFF"/>
                 </a:solidFill>
               </a:uFill>
               <a:latin typeface="Calibri"/>
             </a:endParaRPr>
           </a:p>
           <a:p>
-            <a:pPr lvl="4" marL="2160000" indent="-216000">
+            <a:pPr marL="2160000" lvl="4" indent="-216000">
               <a:buClr>
                 <a:srgbClr val="000000"/>
               </a:buClr>
@@ -2386,13 +2567,13 @@
               <a:buChar char=""/>
             </a:pPr>
             <a:r>
-              <a:rPr b="0" lang="de-DE" sz="8000" spc="-1" strike="noStrike">
+              <a:rPr lang="de-DE" sz="8000" b="0" strike="noStrike" spc="-1">
                 <a:solidFill>
                   <a:srgbClr val="000000"/>
                 </a:solidFill>
                 <a:uFill>
                   <a:solidFill>
-                    <a:srgbClr val="ffffff"/>
+                    <a:srgbClr val="FFFFFF"/>
                   </a:solidFill>
                 </a:uFill>
                 <a:latin typeface="Arial"/>
@@ -2400,20 +2581,20 @@
               </a:rPr>
               <a:t>Fünfte Gliederungsebene</a:t>
             </a:r>
-            <a:endParaRPr b="0" lang="de-DE" sz="8000" spc="-1" strike="noStrike">
-              <a:solidFill>
-                <a:srgbClr val="000000"/>
-              </a:solidFill>
-              <a:uFill>
-                <a:solidFill>
-                  <a:srgbClr val="ffffff"/>
+            <a:endParaRPr lang="de-DE" sz="8000" b="0" strike="noStrike" spc="-1">
+              <a:solidFill>
+                <a:srgbClr val="000000"/>
+              </a:solidFill>
+              <a:uFill>
+                <a:solidFill>
+                  <a:srgbClr val="FFFFFF"/>
                 </a:solidFill>
               </a:uFill>
               <a:latin typeface="Calibri"/>
             </a:endParaRPr>
           </a:p>
           <a:p>
-            <a:pPr lvl="5" marL="2592000" indent="-216000">
+            <a:pPr marL="2592000" lvl="5" indent="-216000">
               <a:buClr>
                 <a:srgbClr val="000000"/>
               </a:buClr>
@@ -2422,13 +2603,13 @@
               <a:buChar char=""/>
             </a:pPr>
             <a:r>
-              <a:rPr b="0" lang="de-DE" sz="8000" spc="-1" strike="noStrike">
+              <a:rPr lang="de-DE" sz="8000" b="0" strike="noStrike" spc="-1">
                 <a:solidFill>
                   <a:srgbClr val="000000"/>
                 </a:solidFill>
                 <a:uFill>
                   <a:solidFill>
-                    <a:srgbClr val="ffffff"/>
+                    <a:srgbClr val="FFFFFF"/>
                   </a:solidFill>
                 </a:uFill>
                 <a:latin typeface="Arial"/>
@@ -2436,13 +2617,13 @@
               </a:rPr>
               <a:t>Sechste Gliederungsebene</a:t>
             </a:r>
-            <a:endParaRPr b="0" lang="de-DE" sz="8000" spc="-1" strike="noStrike">
-              <a:solidFill>
-                <a:srgbClr val="000000"/>
-              </a:solidFill>
-              <a:uFill>
-                <a:solidFill>
-                  <a:srgbClr val="ffffff"/>
+            <a:endParaRPr lang="de-DE" sz="8000" b="0" strike="noStrike" spc="-1">
+              <a:solidFill>
+                <a:srgbClr val="000000"/>
+              </a:solidFill>
+              <a:uFill>
+                <a:solidFill>
+                  <a:srgbClr val="FFFFFF"/>
                 </a:solidFill>
               </a:uFill>
               <a:latin typeface="Calibri"/>
@@ -2455,13 +2636,13 @@
               </a:lnSpc>
             </a:pPr>
             <a:r>
-              <a:rPr b="0" lang="de-DE" sz="8000" spc="-1" strike="noStrike">
+              <a:rPr lang="de-DE" sz="8000" b="0" strike="noStrike" spc="-1">
                 <a:solidFill>
                   <a:srgbClr val="000000"/>
                 </a:solidFill>
                 <a:uFill>
                   <a:solidFill>
-                    <a:srgbClr val="ffffff"/>
+                    <a:srgbClr val="FFFFFF"/>
                   </a:solidFill>
                 </a:uFill>
                 <a:latin typeface="Arial"/>
@@ -2469,13 +2650,13 @@
               </a:rPr>
               <a:t>Siebte GliederungsebeneTextmasterformate durch Klicken bearbeiten</a:t>
             </a:r>
-            <a:endParaRPr b="0" lang="de-DE" sz="8000" spc="-1" strike="noStrike">
-              <a:solidFill>
-                <a:srgbClr val="000000"/>
-              </a:solidFill>
-              <a:uFill>
-                <a:solidFill>
-                  <a:srgbClr val="ffffff"/>
+            <a:endParaRPr lang="de-DE" sz="8000" b="0" strike="noStrike" spc="-1">
+              <a:solidFill>
+                <a:srgbClr val="000000"/>
+              </a:solidFill>
+              <a:uFill>
+                <a:solidFill>
+                  <a:srgbClr val="FFFFFF"/>
                 </a:solidFill>
               </a:uFill>
               <a:latin typeface="Calibri"/>
@@ -2485,26 +2666,31 @@
       </p:sp>
     </p:spTree>
   </p:cSld>
-  <p:clrMap bg1="lt1" bg2="lt2" tx1="dk1" tx2="dk2" accent1="accent1" accent2="accent2" accent3="accent3" accent4="accent4" accent5="accent5" accent6="accent6" hlink="hlink" folHlink="folHlink"/>
+  <p:clrMap bg1="lt1" tx1="dk1" bg2="lt2" tx2="dk2" accent1="accent1" accent2="accent2" accent3="accent3" accent4="accent4" accent5="accent5" accent6="accent6" hlink="hlink" folHlink="folHlink"/>
   <p:sldLayoutIdLst>
-    <p:sldLayoutId id="2147483649" r:id="rId3"/>
-    <p:sldLayoutId id="2147483650" r:id="rId4"/>
-    <p:sldLayoutId id="2147483651" r:id="rId5"/>
-    <p:sldLayoutId id="2147483652" r:id="rId6"/>
-    <p:sldLayoutId id="2147483653" r:id="rId7"/>
-    <p:sldLayoutId id="2147483654" r:id="rId8"/>
-    <p:sldLayoutId id="2147483655" r:id="rId9"/>
-    <p:sldLayoutId id="2147483656" r:id="rId10"/>
-    <p:sldLayoutId id="2147483657" r:id="rId11"/>
-    <p:sldLayoutId id="2147483658" r:id="rId12"/>
-    <p:sldLayoutId id="2147483659" r:id="rId13"/>
-    <p:sldLayoutId id="2147483660" r:id="rId14"/>
+    <p:sldLayoutId id="2147483649" r:id="rId1"/>
+    <p:sldLayoutId id="2147483650" r:id="rId2"/>
+    <p:sldLayoutId id="2147483651" r:id="rId3"/>
+    <p:sldLayoutId id="2147483652" r:id="rId4"/>
+    <p:sldLayoutId id="2147483653" r:id="rId5"/>
+    <p:sldLayoutId id="2147483654" r:id="rId6"/>
+    <p:sldLayoutId id="2147483655" r:id="rId7"/>
+    <p:sldLayoutId id="2147483656" r:id="rId8"/>
+    <p:sldLayoutId id="2147483657" r:id="rId9"/>
+    <p:sldLayoutId id="2147483658" r:id="rId10"/>
+    <p:sldLayoutId id="2147483659" r:id="rId11"/>
+    <p:sldLayoutId id="2147483660" r:id="rId12"/>
   </p:sldLayoutIdLst>
+  <p:txStyles>
+    <p:titleStyle/>
+    <p:bodyStyle/>
+    <p:otherStyle/>
+  </p:txStyles>
 </p:sldMaster>
 </file>
 
 <file path=ppt/slides/slide1.xml><?xml version="1.0" encoding="utf-8"?>
-<p:sld xmlns:a="http://schemas.openxmlformats.org/drawingml/2006/main" xmlns:p="http://schemas.openxmlformats.org/presentationml/2006/main" xmlns:r="http://schemas.openxmlformats.org/officeDocument/2006/relationships" xmlns:p14="http://schemas.microsoft.com/office/powerpoint/2010/main" xmlns:p15="http://schemas.microsoft.com/office/powerpoint/2012/main" xmlns:mc="http://schemas.openxmlformats.org/markup-compatibility/2006">
+<p:sld xmlns:a="http://schemas.openxmlformats.org/drawingml/2006/main" xmlns:r="http://schemas.openxmlformats.org/officeDocument/2006/relationships" xmlns:p="http://schemas.openxmlformats.org/presentationml/2006/main">
   <p:cSld>
     <p:spTree>
       <p:nvGrpSpPr>
@@ -2522,12 +2708,14 @@
       </p:grpSpPr>
       <p:pic>
         <p:nvPicPr>
-          <p:cNvPr id="41" name="Bildplatzhalter 18" descr=""/>
+          <p:cNvPr id="41" name="Bildplatzhalter 18"/>
           <p:cNvPicPr/>
           <p:nvPr/>
         </p:nvPicPr>
         <p:blipFill>
-          <a:blip r:embed="rId1"/>
+          <a:blip r:embed="rId2">
+            <a:lum bright="60000" contrast="-70000"/>
+          </a:blip>
           <a:stretch/>
         </p:blipFill>
         <p:spPr>
@@ -2563,7 +2751,8 @@
           </a:ln>
         </p:spPr>
         <p:txBody>
-          <a:bodyPr lIns="0" rIns="0" tIns="0" bIns="0" anchor="ctr"/>
+          <a:bodyPr lIns="0" tIns="0" rIns="0" bIns="0" anchor="ctr"/>
+          <a:lstStyle/>
           <a:p>
             <a:pPr>
               <a:lnSpc>
@@ -2571,13 +2760,13 @@
               </a:lnSpc>
             </a:pPr>
             <a:r>
-              <a:rPr b="0" lang="de-DE" sz="16000" spc="-1" strike="noStrike">
-                <a:solidFill>
-                  <a:srgbClr val="ffffff"/>
-                </a:solidFill>
-                <a:uFill>
-                  <a:solidFill>
-                    <a:srgbClr val="ffffff"/>
+              <a:rPr lang="de-DE" sz="16000" b="0" strike="noStrike" spc="-1">
+                <a:solidFill>
+                  <a:srgbClr val="FFFFFF"/>
+                </a:solidFill>
+                <a:uFill>
+                  <a:solidFill>
+                    <a:srgbClr val="FFFFFF"/>
                   </a:solidFill>
                 </a:uFill>
                 <a:latin typeface="Times New Roman"/>
@@ -2585,13 +2774,13 @@
               </a:rPr>
               <a:t>Smart dancing suit</a:t>
             </a:r>
-            <a:endParaRPr b="0" lang="de-DE" sz="8200" spc="-1" strike="noStrike">
-              <a:solidFill>
-                <a:srgbClr val="000000"/>
-              </a:solidFill>
-              <a:uFill>
-                <a:solidFill>
-                  <a:srgbClr val="ffffff"/>
+            <a:endParaRPr lang="de-DE" sz="8200" b="0" strike="noStrike" spc="-1">
+              <a:solidFill>
+                <a:srgbClr val="000000"/>
+              </a:solidFill>
+              <a:uFill>
+                <a:solidFill>
+                  <a:srgbClr val="FFFFFF"/>
                 </a:solidFill>
               </a:uFill>
               <a:latin typeface="Arial"/>
@@ -2619,13 +2808,20 @@
           </a:ln>
         </p:spPr>
         <p:style>
-          <a:lnRef idx="0"/>
-          <a:fillRef idx="0"/>
-          <a:effectRef idx="0"/>
+          <a:lnRef idx="0">
+            <a:scrgbClr r="0" g="0" b="0"/>
+          </a:lnRef>
+          <a:fillRef idx="0">
+            <a:scrgbClr r="0" g="0" b="0"/>
+          </a:fillRef>
+          <a:effectRef idx="0">
+            <a:scrgbClr r="0" g="0" b="0"/>
+          </a:effectRef>
           <a:fontRef idx="minor"/>
         </p:style>
         <p:txBody>
-          <a:bodyPr lIns="0" rIns="0" tIns="0" bIns="0"/>
+          <a:bodyPr lIns="0" tIns="0" rIns="0" bIns="0"/>
+          <a:lstStyle/>
           <a:p>
             <a:pPr marL="343080" indent="-342720">
               <a:lnSpc>
@@ -2633,26 +2829,26 @@
               </a:lnSpc>
             </a:pPr>
             <a:r>
-              <a:rPr b="0" lang="de-DE" sz="7000" spc="-1" strike="noStrike">
+              <a:rPr lang="de-DE" sz="7000" b="0" strike="noStrike" spc="-1">
                 <a:solidFill>
                   <a:srgbClr val="000000"/>
                 </a:solidFill>
                 <a:uFill>
                   <a:solidFill>
-                    <a:srgbClr val="ffffff"/>
+                    <a:srgbClr val="FFFFFF"/>
                   </a:solidFill>
                 </a:uFill>
                 <a:latin typeface="Times New Roman"/>
               </a:rPr>
               <a:t>Making music visible</a:t>
             </a:r>
-            <a:endParaRPr b="0" lang="de-DE" sz="1800" spc="-1" strike="noStrike">
-              <a:solidFill>
-                <a:srgbClr val="000000"/>
-              </a:solidFill>
-              <a:uFill>
-                <a:solidFill>
-                  <a:srgbClr val="ffffff"/>
+            <a:endParaRPr lang="de-DE" sz="1800" b="0" strike="noStrike" spc="-1">
+              <a:solidFill>
+                <a:srgbClr val="000000"/>
+              </a:solidFill>
+              <a:uFill>
+                <a:solidFill>
+                  <a:srgbClr val="FFFFFF"/>
                 </a:solidFill>
               </a:uFill>
               <a:latin typeface="Arial"/>
@@ -2680,13 +2876,20 @@
           </a:ln>
         </p:spPr>
         <p:style>
-          <a:lnRef idx="0"/>
-          <a:fillRef idx="0"/>
-          <a:effectRef idx="0"/>
+          <a:lnRef idx="0">
+            <a:scrgbClr r="0" g="0" b="0"/>
+          </a:lnRef>
+          <a:fillRef idx="0">
+            <a:scrgbClr r="0" g="0" b="0"/>
+          </a:fillRef>
+          <a:effectRef idx="0">
+            <a:scrgbClr r="0" g="0" b="0"/>
+          </a:effectRef>
           <a:fontRef idx="minor"/>
         </p:style>
         <p:txBody>
-          <a:bodyPr lIns="0" rIns="0" tIns="0" bIns="0"/>
+          <a:bodyPr lIns="0" tIns="0" rIns="0" bIns="0"/>
+          <a:lstStyle/>
           <a:p>
             <a:pPr marL="343080" indent="-342720" algn="ctr">
               <a:lnSpc>
@@ -2694,26 +2897,26 @@
               </a:lnSpc>
             </a:pPr>
             <a:r>
-              <a:rPr b="0" lang="de-DE" sz="4000" spc="-1" strike="noStrike">
+              <a:rPr lang="de-DE" sz="4000" b="0" strike="noStrike" spc="-1">
                 <a:solidFill>
                   <a:srgbClr val="000000"/>
                 </a:solidFill>
                 <a:uFill>
                   <a:solidFill>
-                    <a:srgbClr val="ffffff"/>
+                    <a:srgbClr val="FFFFFF"/>
                   </a:solidFill>
                 </a:uFill>
                 <a:latin typeface="Arial"/>
               </a:rPr>
               <a:t>Schematc setup of the system</a:t>
             </a:r>
-            <a:endParaRPr b="0" lang="de-DE" sz="1800" spc="-1" strike="noStrike">
-              <a:solidFill>
-                <a:srgbClr val="000000"/>
-              </a:solidFill>
-              <a:uFill>
-                <a:solidFill>
-                  <a:srgbClr val="ffffff"/>
+            <a:endParaRPr lang="de-DE" sz="1800" b="0" strike="noStrike" spc="-1">
+              <a:solidFill>
+                <a:srgbClr val="000000"/>
+              </a:solidFill>
+              <a:uFill>
+                <a:solidFill>
+                  <a:srgbClr val="FFFFFF"/>
                 </a:solidFill>
               </a:uFill>
               <a:latin typeface="Arial"/>
@@ -2723,30 +2926,7 @@
       </p:sp>
       <p:pic>
         <p:nvPicPr>
-          <p:cNvPr id="45" name="Grafik 7" descr=""/>
-          <p:cNvPicPr/>
-          <p:nvPr/>
-        </p:nvPicPr>
-        <p:blipFill>
-          <a:blip r:embed="rId2"/>
-          <a:stretch/>
-        </p:blipFill>
-        <p:spPr>
-          <a:xfrm>
-            <a:off x="1175040" y="24872760"/>
-            <a:ext cx="16225560" cy="7069320"/>
-          </a:xfrm>
-          <a:prstGeom prst="rect">
-            <a:avLst/>
-          </a:prstGeom>
-          <a:ln>
-            <a:noFill/>
-          </a:ln>
-        </p:spPr>
-      </p:pic>
-      <p:pic>
-        <p:nvPicPr>
-          <p:cNvPr id="46" name="Grafik 8" descr=""/>
+          <p:cNvPr id="45" name="Grafik 7"/>
           <p:cNvPicPr/>
           <p:nvPr/>
         </p:nvPicPr>
@@ -2756,8 +2936,8 @@
         </p:blipFill>
         <p:spPr>
           <a:xfrm>
-            <a:off x="19695600" y="12115080"/>
-            <a:ext cx="5004000" cy="15589800"/>
+            <a:off x="1175040" y="24872760"/>
+            <a:ext cx="16225560" cy="7069320"/>
           </a:xfrm>
           <a:prstGeom prst="rect">
             <a:avLst/>
@@ -2767,995 +2947,9 @@
           </a:ln>
         </p:spPr>
       </p:pic>
-      <p:sp>
-        <p:nvSpPr>
-          <p:cNvPr id="47" name="CustomShape 4"/>
-          <p:cNvSpPr/>
-          <p:nvPr/>
-        </p:nvSpPr>
-        <p:spPr>
-          <a:xfrm>
-            <a:off x="1175040" y="12115080"/>
-            <a:ext cx="18520200" cy="3357360"/>
-          </a:xfrm>
-          <a:prstGeom prst="rect">
-            <a:avLst/>
-          </a:prstGeom>
-          <a:noFill/>
-          <a:ln>
-            <a:noFill/>
-          </a:ln>
-        </p:spPr>
-        <p:style>
-          <a:lnRef idx="0"/>
-          <a:fillRef idx="0"/>
-          <a:effectRef idx="0"/>
-          <a:fontRef idx="minor"/>
-        </p:style>
-        <p:txBody>
-          <a:bodyPr lIns="0" rIns="0" tIns="0" bIns="0"/>
-          <a:p>
-            <a:pPr marL="343080" indent="-342720">
-              <a:lnSpc>
-                <a:spcPct val="100000"/>
-              </a:lnSpc>
-              <a:buClr>
-                <a:srgbClr val="000000"/>
-              </a:buClr>
-              <a:buFont typeface="Arial"/>
-              <a:buChar char="•"/>
-            </a:pPr>
-            <a:r>
-              <a:rPr b="0" lang="de-DE" sz="4000" spc="-1" strike="noStrike">
-                <a:solidFill>
-                  <a:srgbClr val="000000"/>
-                </a:solidFill>
-                <a:uFill>
-                  <a:solidFill>
-                    <a:srgbClr val="ffffff"/>
-                  </a:solidFill>
-                </a:uFill>
-                <a:latin typeface="Calibri"/>
-              </a:rPr>
-              <a:t>The sound of the environment is measured by a microphone</a:t>
-            </a:r>
-            <a:endParaRPr b="0" lang="de-DE" sz="1800" spc="-1" strike="noStrike">
-              <a:solidFill>
-                <a:srgbClr val="000000"/>
-              </a:solidFill>
-              <a:uFill>
-                <a:solidFill>
-                  <a:srgbClr val="ffffff"/>
-                </a:solidFill>
-              </a:uFill>
-              <a:latin typeface="Arial"/>
-            </a:endParaRPr>
-          </a:p>
-          <a:p>
-            <a:pPr marL="343080" indent="-342720">
-              <a:lnSpc>
-                <a:spcPct val="100000"/>
-              </a:lnSpc>
-              <a:buClr>
-                <a:srgbClr val="000000"/>
-              </a:buClr>
-              <a:buFont typeface="Arial"/>
-              <a:buChar char="•"/>
-            </a:pPr>
-            <a:r>
-              <a:rPr b="0" lang="de-DE" sz="4000" spc="-1" strike="noStrike">
-                <a:solidFill>
-                  <a:srgbClr val="000000"/>
-                </a:solidFill>
-                <a:uFill>
-                  <a:solidFill>
-                    <a:srgbClr val="ffffff"/>
-                  </a:solidFill>
-                </a:uFill>
-                <a:latin typeface="Calibri"/>
-              </a:rPr>
-              <a:t>LEDs react to the environment sound</a:t>
-            </a:r>
-            <a:endParaRPr b="0" lang="de-DE" sz="1800" spc="-1" strike="noStrike">
-              <a:solidFill>
-                <a:srgbClr val="000000"/>
-              </a:solidFill>
-              <a:uFill>
-                <a:solidFill>
-                  <a:srgbClr val="ffffff"/>
-                </a:solidFill>
-              </a:uFill>
-              <a:latin typeface="Arial"/>
-            </a:endParaRPr>
-          </a:p>
-          <a:p>
-            <a:pPr marL="343080" indent="-342720">
-              <a:lnSpc>
-                <a:spcPct val="100000"/>
-              </a:lnSpc>
-              <a:buClr>
-                <a:srgbClr val="000000"/>
-              </a:buClr>
-              <a:buFont typeface="Arial"/>
-              <a:buChar char="•"/>
-            </a:pPr>
-            <a:r>
-              <a:rPr b="0" lang="de-DE" sz="4000" spc="-1" strike="noStrike">
-                <a:solidFill>
-                  <a:srgbClr val="000000"/>
-                </a:solidFill>
-                <a:uFill>
-                  <a:solidFill>
-                    <a:srgbClr val="ffffff"/>
-                  </a:solidFill>
-                </a:uFill>
-                <a:latin typeface="Calibri"/>
-              </a:rPr>
-              <a:t>Intelligent music recognition by applying fourier transform to the sound measurements</a:t>
-            </a:r>
-            <a:endParaRPr b="0" lang="de-DE" sz="1800" spc="-1" strike="noStrike">
-              <a:solidFill>
-                <a:srgbClr val="000000"/>
-              </a:solidFill>
-              <a:uFill>
-                <a:solidFill>
-                  <a:srgbClr val="ffffff"/>
-                </a:solidFill>
-              </a:uFill>
-              <a:latin typeface="Arial"/>
-            </a:endParaRPr>
-          </a:p>
-          <a:p>
-            <a:pPr marL="343080" indent="-342720">
-              <a:lnSpc>
-                <a:spcPct val="100000"/>
-              </a:lnSpc>
-              <a:buClr>
-                <a:srgbClr val="000000"/>
-              </a:buClr>
-              <a:buFont typeface="Arial"/>
-              <a:buChar char="•"/>
-            </a:pPr>
-            <a:r>
-              <a:rPr b="0" lang="de-DE" sz="4000" spc="-1" strike="noStrike">
-                <a:solidFill>
-                  <a:srgbClr val="000000"/>
-                </a:solidFill>
-                <a:uFill>
-                  <a:solidFill>
-                    <a:srgbClr val="ffffff"/>
-                  </a:solidFill>
-                </a:uFill>
-                <a:latin typeface="Calibri"/>
-              </a:rPr>
-              <a:t>Displaying of the music spectrum on chest</a:t>
-            </a:r>
-            <a:endParaRPr b="0" lang="de-DE" sz="1800" spc="-1" strike="noStrike">
-              <a:solidFill>
-                <a:srgbClr val="000000"/>
-              </a:solidFill>
-              <a:uFill>
-                <a:solidFill>
-                  <a:srgbClr val="ffffff"/>
-                </a:solidFill>
-              </a:uFill>
-              <a:latin typeface="Arial"/>
-            </a:endParaRPr>
-          </a:p>
-        </p:txBody>
-      </p:sp>
-      <p:sp>
-        <p:nvSpPr>
-          <p:cNvPr id="48" name="CustomShape 5"/>
-          <p:cNvSpPr/>
-          <p:nvPr/>
-        </p:nvSpPr>
-        <p:spPr>
-          <a:xfrm>
-            <a:off x="1175040" y="15296040"/>
-            <a:ext cx="18397440" cy="1371960"/>
-          </a:xfrm>
-          <a:prstGeom prst="rect">
-            <a:avLst/>
-          </a:prstGeom>
-          <a:noFill/>
-          <a:ln>
-            <a:noFill/>
-          </a:ln>
-        </p:spPr>
-        <p:style>
-          <a:lnRef idx="0"/>
-          <a:fillRef idx="0"/>
-          <a:effectRef idx="0"/>
-          <a:fontRef idx="minor"/>
-        </p:style>
-        <p:txBody>
-          <a:bodyPr lIns="0" rIns="0" tIns="0" bIns="0"/>
-          <a:p>
-            <a:pPr marL="343080" indent="-342720">
-              <a:lnSpc>
-                <a:spcPct val="100000"/>
-              </a:lnSpc>
-            </a:pPr>
-            <a:r>
-              <a:rPr b="0" lang="de-DE" sz="7000" spc="-1" strike="noStrike">
-                <a:solidFill>
-                  <a:srgbClr val="000000"/>
-                </a:solidFill>
-                <a:uFill>
-                  <a:solidFill>
-                    <a:srgbClr val="ffffff"/>
-                  </a:solidFill>
-                </a:uFill>
-                <a:latin typeface="Times New Roman"/>
-              </a:rPr>
-              <a:t>Reacting to movements</a:t>
-            </a:r>
-            <a:endParaRPr b="0" lang="de-DE" sz="1800" spc="-1" strike="noStrike">
-              <a:solidFill>
-                <a:srgbClr val="000000"/>
-              </a:solidFill>
-              <a:uFill>
-                <a:solidFill>
-                  <a:srgbClr val="ffffff"/>
-                </a:solidFill>
-              </a:uFill>
-              <a:latin typeface="Arial"/>
-            </a:endParaRPr>
-          </a:p>
-        </p:txBody>
-      </p:sp>
-      <p:sp>
-        <p:nvSpPr>
-          <p:cNvPr id="49" name="CustomShape 6"/>
-          <p:cNvSpPr/>
-          <p:nvPr/>
-        </p:nvSpPr>
-        <p:spPr>
-          <a:xfrm>
-            <a:off x="1175040" y="16668360"/>
-            <a:ext cx="18397440" cy="1876680"/>
-          </a:xfrm>
-          <a:prstGeom prst="rect">
-            <a:avLst/>
-          </a:prstGeom>
-          <a:noFill/>
-          <a:ln>
-            <a:noFill/>
-          </a:ln>
-        </p:spPr>
-        <p:style>
-          <a:lnRef idx="0"/>
-          <a:fillRef idx="0"/>
-          <a:effectRef idx="0"/>
-          <a:fontRef idx="minor"/>
-        </p:style>
-        <p:txBody>
-          <a:bodyPr lIns="0" rIns="0" tIns="0" bIns="0"/>
-          <a:p>
-            <a:pPr marL="343080" indent="-342720">
-              <a:lnSpc>
-                <a:spcPct val="100000"/>
-              </a:lnSpc>
-              <a:buClr>
-                <a:srgbClr val="000000"/>
-              </a:buClr>
-              <a:buFont typeface="Arial"/>
-              <a:buChar char="•"/>
-            </a:pPr>
-            <a:r>
-              <a:rPr b="0" lang="de-DE" sz="4000" spc="-1" strike="noStrike">
-                <a:solidFill>
-                  <a:srgbClr val="000000"/>
-                </a:solidFill>
-                <a:uFill>
-                  <a:solidFill>
-                    <a:srgbClr val="ffffff"/>
-                  </a:solidFill>
-                </a:uFill>
-                <a:latin typeface="Calibri"/>
-              </a:rPr>
-              <a:t>Body movements are detected by IMUs mounted on hands and feet</a:t>
-            </a:r>
-            <a:endParaRPr b="0" lang="de-DE" sz="1800" spc="-1" strike="noStrike">
-              <a:solidFill>
-                <a:srgbClr val="000000"/>
-              </a:solidFill>
-              <a:uFill>
-                <a:solidFill>
-                  <a:srgbClr val="ffffff"/>
-                </a:solidFill>
-              </a:uFill>
-              <a:latin typeface="Arial"/>
-            </a:endParaRPr>
-          </a:p>
-          <a:p>
-            <a:pPr marL="343080" indent="-342720">
-              <a:lnSpc>
-                <a:spcPct val="100000"/>
-              </a:lnSpc>
-              <a:buClr>
-                <a:srgbClr val="000000"/>
-              </a:buClr>
-              <a:buFont typeface="Arial"/>
-              <a:buChar char="•"/>
-            </a:pPr>
-            <a:r>
-              <a:rPr b="0" lang="de-DE" sz="4000" spc="-1" strike="noStrike">
-                <a:solidFill>
-                  <a:srgbClr val="000000"/>
-                </a:solidFill>
-                <a:uFill>
-                  <a:solidFill>
-                    <a:srgbClr val="ffffff"/>
-                  </a:solidFill>
-                </a:uFill>
-                <a:latin typeface="Calibri"/>
-              </a:rPr>
-              <a:t>LEDs react to the movements measured by the IMUs</a:t>
-            </a:r>
-            <a:endParaRPr b="0" lang="de-DE" sz="1800" spc="-1" strike="noStrike">
-              <a:solidFill>
-                <a:srgbClr val="000000"/>
-              </a:solidFill>
-              <a:uFill>
-                <a:solidFill>
-                  <a:srgbClr val="ffffff"/>
-                </a:solidFill>
-              </a:uFill>
-              <a:latin typeface="Arial"/>
-            </a:endParaRPr>
-          </a:p>
-        </p:txBody>
-      </p:sp>
-      <p:sp>
-        <p:nvSpPr>
-          <p:cNvPr id="50" name="CustomShape 7"/>
-          <p:cNvSpPr/>
-          <p:nvPr/>
-        </p:nvSpPr>
-        <p:spPr>
-          <a:xfrm>
-            <a:off x="1175040" y="18545040"/>
-            <a:ext cx="18397440" cy="1371960"/>
-          </a:xfrm>
-          <a:prstGeom prst="rect">
-            <a:avLst/>
-          </a:prstGeom>
-          <a:noFill/>
-          <a:ln>
-            <a:noFill/>
-          </a:ln>
-        </p:spPr>
-        <p:style>
-          <a:lnRef idx="0"/>
-          <a:fillRef idx="0"/>
-          <a:effectRef idx="0"/>
-          <a:fontRef idx="minor"/>
-        </p:style>
-        <p:txBody>
-          <a:bodyPr lIns="0" rIns="0" tIns="0" bIns="0"/>
-          <a:p>
-            <a:pPr marL="343080" indent="-342720">
-              <a:lnSpc>
-                <a:spcPct val="100000"/>
-              </a:lnSpc>
-            </a:pPr>
-            <a:r>
-              <a:rPr b="0" lang="de-DE" sz="7000" spc="-1" strike="noStrike">
-                <a:solidFill>
-                  <a:srgbClr val="000000"/>
-                </a:solidFill>
-                <a:uFill>
-                  <a:solidFill>
-                    <a:srgbClr val="ffffff"/>
-                  </a:solidFill>
-                </a:uFill>
-                <a:latin typeface="Times New Roman"/>
-              </a:rPr>
-              <a:t>Creating an audiovisual performance</a:t>
-            </a:r>
-            <a:endParaRPr b="0" lang="de-DE" sz="1800" spc="-1" strike="noStrike">
-              <a:solidFill>
-                <a:srgbClr val="000000"/>
-              </a:solidFill>
-              <a:uFill>
-                <a:solidFill>
-                  <a:srgbClr val="ffffff"/>
-                </a:solidFill>
-              </a:uFill>
-              <a:latin typeface="Arial"/>
-            </a:endParaRPr>
-          </a:p>
-        </p:txBody>
-      </p:sp>
-      <p:sp>
-        <p:nvSpPr>
-          <p:cNvPr id="51" name="CustomShape 8"/>
-          <p:cNvSpPr/>
-          <p:nvPr/>
-        </p:nvSpPr>
-        <p:spPr>
-          <a:xfrm>
-            <a:off x="1175040" y="19917360"/>
-            <a:ext cx="15962400" cy="3369600"/>
-          </a:xfrm>
-          <a:prstGeom prst="rect">
-            <a:avLst/>
-          </a:prstGeom>
-          <a:noFill/>
-          <a:ln>
-            <a:noFill/>
-          </a:ln>
-        </p:spPr>
-        <p:style>
-          <a:lnRef idx="0"/>
-          <a:fillRef idx="0"/>
-          <a:effectRef idx="0"/>
-          <a:fontRef idx="minor"/>
-        </p:style>
-        <p:txBody>
-          <a:bodyPr lIns="0" rIns="0" tIns="0" bIns="0"/>
-          <a:p>
-            <a:pPr marL="343080" indent="-342720">
-              <a:lnSpc>
-                <a:spcPct val="100000"/>
-              </a:lnSpc>
-              <a:buClr>
-                <a:srgbClr val="000000"/>
-              </a:buClr>
-              <a:buFont typeface="Arial"/>
-              <a:buChar char="•"/>
-            </a:pPr>
-            <a:r>
-              <a:rPr b="0" lang="de-DE" sz="4000" spc="-1" strike="noStrike">
-                <a:solidFill>
-                  <a:srgbClr val="000000"/>
-                </a:solidFill>
-                <a:uFill>
-                  <a:solidFill>
-                    <a:srgbClr val="ffffff"/>
-                  </a:solidFill>
-                </a:uFill>
-                <a:latin typeface="Calibri"/>
-              </a:rPr>
-              <a:t>LEDs change their colors and blinking patterns according to the music and the movements of the wearer</a:t>
-            </a:r>
-            <a:endParaRPr b="0" lang="de-DE" sz="1800" spc="-1" strike="noStrike">
-              <a:solidFill>
-                <a:srgbClr val="000000"/>
-              </a:solidFill>
-              <a:uFill>
-                <a:solidFill>
-                  <a:srgbClr val="ffffff"/>
-                </a:solidFill>
-              </a:uFill>
-              <a:latin typeface="Arial"/>
-            </a:endParaRPr>
-          </a:p>
-          <a:p>
-            <a:pPr marL="343080" indent="-342720">
-              <a:lnSpc>
-                <a:spcPct val="100000"/>
-              </a:lnSpc>
-              <a:buClr>
-                <a:srgbClr val="000000"/>
-              </a:buClr>
-              <a:buFont typeface="Arial"/>
-              <a:buChar char="•"/>
-            </a:pPr>
-            <a:r>
-              <a:rPr b="0" lang="de-DE" sz="4000" spc="-1" strike="noStrike">
-                <a:solidFill>
-                  <a:srgbClr val="000000"/>
-                </a:solidFill>
-                <a:uFill>
-                  <a:solidFill>
-                    <a:srgbClr val="ffffff"/>
-                  </a:solidFill>
-                </a:uFill>
-                <a:latin typeface="Calibri"/>
-                <a:ea typeface="Geneva"/>
-              </a:rPr>
-              <a:t>Suit behavior can be configured via android app</a:t>
-            </a:r>
-            <a:endParaRPr b="0" lang="de-DE" sz="1800" spc="-1" strike="noStrike">
-              <a:solidFill>
-                <a:srgbClr val="000000"/>
-              </a:solidFill>
-              <a:uFill>
-                <a:solidFill>
-                  <a:srgbClr val="ffffff"/>
-                </a:solidFill>
-              </a:uFill>
-              <a:latin typeface="Arial"/>
-            </a:endParaRPr>
-          </a:p>
-          <a:p>
-            <a:pPr marL="343080" indent="-342720">
-              <a:lnSpc>
-                <a:spcPct val="100000"/>
-              </a:lnSpc>
-              <a:buClr>
-                <a:srgbClr val="000000"/>
-              </a:buClr>
-              <a:buFont typeface="Arial"/>
-              <a:buChar char="•"/>
-            </a:pPr>
-            <a:r>
-              <a:rPr b="0" lang="de-DE" sz="4000" spc="-1" strike="noStrike">
-                <a:solidFill>
-                  <a:srgbClr val="000000"/>
-                </a:solidFill>
-                <a:uFill>
-                  <a:solidFill>
-                    <a:srgbClr val="ffffff"/>
-                  </a:solidFill>
-                </a:uFill>
-                <a:latin typeface="Calibri"/>
-                <a:ea typeface="Geneva"/>
-              </a:rPr>
-              <a:t>Generating an LED-choreography on the fly</a:t>
-            </a:r>
-            <a:endParaRPr b="0" lang="de-DE" sz="1800" spc="-1" strike="noStrike">
-              <a:solidFill>
-                <a:srgbClr val="000000"/>
-              </a:solidFill>
-              <a:uFill>
-                <a:solidFill>
-                  <a:srgbClr val="ffffff"/>
-                </a:solidFill>
-              </a:uFill>
-              <a:latin typeface="Arial"/>
-            </a:endParaRPr>
-          </a:p>
-        </p:txBody>
-      </p:sp>
-      <p:sp>
-        <p:nvSpPr>
-          <p:cNvPr id="52" name="CustomShape 9"/>
-          <p:cNvSpPr/>
-          <p:nvPr/>
-        </p:nvSpPr>
-        <p:spPr>
-          <a:xfrm>
-            <a:off x="19066680" y="27704880"/>
-            <a:ext cx="5880960" cy="2504880"/>
-          </a:xfrm>
-          <a:prstGeom prst="rect">
-            <a:avLst/>
-          </a:prstGeom>
-          <a:noFill/>
-          <a:ln>
-            <a:noFill/>
-          </a:ln>
-        </p:spPr>
-        <p:style>
-          <a:lnRef idx="0"/>
-          <a:fillRef idx="0"/>
-          <a:effectRef idx="0"/>
-          <a:fontRef idx="minor"/>
-        </p:style>
-        <p:txBody>
-          <a:bodyPr lIns="0" rIns="0" tIns="0" bIns="0"/>
-          <a:p>
-            <a:pPr marL="343080" indent="-342720" algn="ctr">
-              <a:lnSpc>
-                <a:spcPct val="100000"/>
-              </a:lnSpc>
-            </a:pPr>
-            <a:r>
-              <a:rPr b="0" lang="de-DE" sz="4000" spc="-1" strike="noStrike">
-                <a:solidFill>
-                  <a:srgbClr val="000000"/>
-                </a:solidFill>
-                <a:uFill>
-                  <a:solidFill>
-                    <a:srgbClr val="ffffff"/>
-                  </a:solidFill>
-                </a:uFill>
-                <a:latin typeface="Arial"/>
-              </a:rPr>
-              <a:t>	</a:t>
-            </a:r>
-            <a:r>
-              <a:rPr b="0" lang="de-DE" sz="4000" spc="-1" strike="noStrike">
-                <a:solidFill>
-                  <a:srgbClr val="000000"/>
-                </a:solidFill>
-                <a:uFill>
-                  <a:solidFill>
-                    <a:srgbClr val="ffffff"/>
-                  </a:solidFill>
-                </a:uFill>
-                <a:latin typeface="Arial"/>
-              </a:rPr>
-              <a:t>Positions of the sensors and LEDs on the suit</a:t>
-            </a:r>
-            <a:endParaRPr b="0" lang="de-DE" sz="1800" spc="-1" strike="noStrike">
-              <a:solidFill>
-                <a:srgbClr val="000000"/>
-              </a:solidFill>
-              <a:uFill>
-                <a:solidFill>
-                  <a:srgbClr val="ffffff"/>
-                </a:solidFill>
-              </a:uFill>
-              <a:latin typeface="Arial"/>
-            </a:endParaRPr>
-          </a:p>
-        </p:txBody>
-      </p:sp>
-      <p:sp>
-        <p:nvSpPr>
-          <p:cNvPr id="53" name="CustomShape 10"/>
-          <p:cNvSpPr/>
-          <p:nvPr/>
-        </p:nvSpPr>
-        <p:spPr>
-          <a:xfrm>
-            <a:off x="1175040" y="33299640"/>
-            <a:ext cx="16225560" cy="8860680"/>
-          </a:xfrm>
-          <a:prstGeom prst="rect">
-            <a:avLst/>
-          </a:prstGeom>
-          <a:noFill/>
-          <a:ln>
-            <a:noFill/>
-          </a:ln>
-        </p:spPr>
-        <p:style>
-          <a:lnRef idx="0"/>
-          <a:fillRef idx="0"/>
-          <a:effectRef idx="0"/>
-          <a:fontRef idx="minor"/>
-        </p:style>
-        <p:txBody>
-          <a:bodyPr lIns="0" rIns="0" tIns="0" bIns="0"/>
-          <a:p>
-            <a:pPr marL="343080" indent="-342720">
-              <a:lnSpc>
-                <a:spcPct val="100000"/>
-              </a:lnSpc>
-              <a:buClr>
-                <a:srgbClr val="000000"/>
-              </a:buClr>
-              <a:buFont typeface="Arial"/>
-              <a:buChar char="•"/>
-            </a:pPr>
-            <a:r>
-              <a:rPr b="0" lang="de-DE" sz="4000" spc="-1" strike="noStrike">
-                <a:solidFill>
-                  <a:srgbClr val="000000"/>
-                </a:solidFill>
-                <a:uFill>
-                  <a:solidFill>
-                    <a:srgbClr val="ffffff"/>
-                  </a:solidFill>
-                </a:uFill>
-                <a:latin typeface="Calibri"/>
-              </a:rPr>
-              <a:t>Arduino-compatible custom sensor board hardware</a:t>
-            </a:r>
-            <a:endParaRPr b="0" lang="de-DE" sz="1800" spc="-1" strike="noStrike">
-              <a:solidFill>
-                <a:srgbClr val="000000"/>
-              </a:solidFill>
-              <a:uFill>
-                <a:solidFill>
-                  <a:srgbClr val="ffffff"/>
-                </a:solidFill>
-              </a:uFill>
-              <a:latin typeface="Arial"/>
-            </a:endParaRPr>
-          </a:p>
-          <a:p>
-            <a:pPr marL="343080" indent="-342720">
-              <a:lnSpc>
-                <a:spcPct val="100000"/>
-              </a:lnSpc>
-              <a:buClr>
-                <a:srgbClr val="000000"/>
-              </a:buClr>
-              <a:buFont typeface="Arial"/>
-              <a:buChar char="•"/>
-            </a:pPr>
-            <a:r>
-              <a:rPr b="0" lang="de-DE" sz="4000" spc="-1" strike="noStrike">
-                <a:solidFill>
-                  <a:srgbClr val="000000"/>
-                </a:solidFill>
-                <a:uFill>
-                  <a:solidFill>
-                    <a:srgbClr val="ffffff"/>
-                  </a:solidFill>
-                </a:uFill>
-                <a:latin typeface="Calibri"/>
-              </a:rPr>
-              <a:t>Sensor board communication over an RS485-based master-slave bus</a:t>
-            </a:r>
-            <a:endParaRPr b="0" lang="de-DE" sz="1800" spc="-1" strike="noStrike">
-              <a:solidFill>
-                <a:srgbClr val="000000"/>
-              </a:solidFill>
-              <a:uFill>
-                <a:solidFill>
-                  <a:srgbClr val="ffffff"/>
-                </a:solidFill>
-              </a:uFill>
-              <a:latin typeface="Arial"/>
-            </a:endParaRPr>
-          </a:p>
-          <a:p>
-            <a:pPr marL="343080" indent="-342720">
-              <a:lnSpc>
-                <a:spcPct val="100000"/>
-              </a:lnSpc>
-              <a:buClr>
-                <a:srgbClr val="000000"/>
-              </a:buClr>
-              <a:buFont typeface="Arial"/>
-              <a:buChar char="•"/>
-            </a:pPr>
-            <a:r>
-              <a:rPr b="0" lang="de-DE" sz="4000" spc="-1" strike="noStrike">
-                <a:solidFill>
-                  <a:srgbClr val="000000"/>
-                </a:solidFill>
-                <a:uFill>
-                  <a:solidFill>
-                    <a:srgbClr val="ffffff"/>
-                  </a:solidFill>
-                </a:uFill>
-                <a:latin typeface="Calibri"/>
-              </a:rPr>
-              <a:t>STM32F4 discovery board with breadboard shield as mainboard</a:t>
-            </a:r>
-            <a:endParaRPr b="0" lang="de-DE" sz="1800" spc="-1" strike="noStrike">
-              <a:solidFill>
-                <a:srgbClr val="000000"/>
-              </a:solidFill>
-              <a:uFill>
-                <a:solidFill>
-                  <a:srgbClr val="ffffff"/>
-                </a:solidFill>
-              </a:uFill>
-              <a:latin typeface="Arial"/>
-            </a:endParaRPr>
-          </a:p>
-          <a:p>
-            <a:pPr marL="343080" indent="-342720">
-              <a:lnSpc>
-                <a:spcPct val="100000"/>
-              </a:lnSpc>
-              <a:buClr>
-                <a:srgbClr val="000000"/>
-              </a:buClr>
-              <a:buFont typeface="Arial"/>
-              <a:buChar char="•"/>
-            </a:pPr>
-            <a:r>
-              <a:rPr b="0" lang="de-DE" sz="4000" spc="-1" strike="noStrike">
-                <a:solidFill>
-                  <a:srgbClr val="000000"/>
-                </a:solidFill>
-                <a:uFill>
-                  <a:solidFill>
-                    <a:srgbClr val="ffffff"/>
-                  </a:solidFill>
-                </a:uFill>
-                <a:latin typeface="Calibri"/>
-              </a:rPr>
-              <a:t>Individually addressable WS2812 RGB LEDs</a:t>
-            </a:r>
-            <a:endParaRPr b="0" lang="de-DE" sz="1800" spc="-1" strike="noStrike">
-              <a:solidFill>
-                <a:srgbClr val="000000"/>
-              </a:solidFill>
-              <a:uFill>
-                <a:solidFill>
-                  <a:srgbClr val="ffffff"/>
-                </a:solidFill>
-              </a:uFill>
-              <a:latin typeface="Arial"/>
-            </a:endParaRPr>
-          </a:p>
-          <a:p>
-            <a:pPr marL="343080" indent="-342720">
-              <a:lnSpc>
-                <a:spcPct val="100000"/>
-              </a:lnSpc>
-              <a:buClr>
-                <a:srgbClr val="000000"/>
-              </a:buClr>
-              <a:buFont typeface="Arial"/>
-              <a:buChar char="•"/>
-            </a:pPr>
-            <a:r>
-              <a:rPr b="0" lang="de-DE" sz="4000" spc="-1" strike="noStrike">
-                <a:solidFill>
-                  <a:srgbClr val="000000"/>
-                </a:solidFill>
-                <a:uFill>
-                  <a:solidFill>
-                    <a:srgbClr val="ffffff"/>
-                  </a:solidFill>
-                </a:uFill>
-                <a:latin typeface="Calibri"/>
-              </a:rPr>
-              <a:t>Sound detection with adafruit MAX9814 microphone module</a:t>
-            </a:r>
-            <a:endParaRPr b="0" lang="de-DE" sz="1800" spc="-1" strike="noStrike">
-              <a:solidFill>
-                <a:srgbClr val="000000"/>
-              </a:solidFill>
-              <a:uFill>
-                <a:solidFill>
-                  <a:srgbClr val="ffffff"/>
-                </a:solidFill>
-              </a:uFill>
-              <a:latin typeface="Arial"/>
-            </a:endParaRPr>
-          </a:p>
-          <a:p>
-            <a:pPr marL="343080" indent="-342720">
-              <a:lnSpc>
-                <a:spcPct val="100000"/>
-              </a:lnSpc>
-              <a:buClr>
-                <a:srgbClr val="000000"/>
-              </a:buClr>
-              <a:buFont typeface="Arial"/>
-              <a:buChar char="•"/>
-            </a:pPr>
-            <a:r>
-              <a:rPr b="0" lang="de-DE" sz="4000" spc="-1" strike="noStrike">
-                <a:solidFill>
-                  <a:srgbClr val="000000"/>
-                </a:solidFill>
-                <a:uFill>
-                  <a:solidFill>
-                    <a:srgbClr val="ffffff"/>
-                  </a:solidFill>
-                </a:uFill>
-                <a:latin typeface="Calibri"/>
-              </a:rPr>
-              <a:t>Communication with the android app via bluetooth</a:t>
-            </a:r>
-            <a:endParaRPr b="0" lang="de-DE" sz="1800" spc="-1" strike="noStrike">
-              <a:solidFill>
-                <a:srgbClr val="000000"/>
-              </a:solidFill>
-              <a:uFill>
-                <a:solidFill>
-                  <a:srgbClr val="ffffff"/>
-                </a:solidFill>
-              </a:uFill>
-              <a:latin typeface="Arial"/>
-            </a:endParaRPr>
-          </a:p>
-          <a:p>
-            <a:pPr>
-              <a:lnSpc>
-                <a:spcPct val="100000"/>
-              </a:lnSpc>
-            </a:pPr>
-            <a:endParaRPr b="0" lang="de-DE" sz="1800" spc="-1" strike="noStrike">
-              <a:solidFill>
-                <a:srgbClr val="000000"/>
-              </a:solidFill>
-              <a:uFill>
-                <a:solidFill>
-                  <a:srgbClr val="ffffff"/>
-                </a:solidFill>
-              </a:uFill>
-              <a:latin typeface="Arial"/>
-            </a:endParaRPr>
-          </a:p>
-          <a:p>
-            <a:pPr marL="343080" indent="-342720">
-              <a:lnSpc>
-                <a:spcPct val="100000"/>
-              </a:lnSpc>
-              <a:buClr>
-                <a:srgbClr val="000000"/>
-              </a:buClr>
-              <a:buFont typeface="Arial"/>
-              <a:buChar char="•"/>
-            </a:pPr>
-            <a:r>
-              <a:rPr b="0" lang="de-DE" sz="4000" spc="-1" strike="noStrike">
-                <a:solidFill>
-                  <a:srgbClr val="000000"/>
-                </a:solidFill>
-                <a:uFill>
-                  <a:solidFill>
-                    <a:srgbClr val="ffffff"/>
-                  </a:solidFill>
-                </a:uFill>
-                <a:latin typeface="Calibri"/>
-              </a:rPr>
-              <a:t>TODO: Add some information about bluetooth communication and app</a:t>
-            </a:r>
-            <a:endParaRPr b="0" lang="de-DE" sz="1800" spc="-1" strike="noStrike">
-              <a:solidFill>
-                <a:srgbClr val="000000"/>
-              </a:solidFill>
-              <a:uFill>
-                <a:solidFill>
-                  <a:srgbClr val="ffffff"/>
-                </a:solidFill>
-              </a:uFill>
-              <a:latin typeface="Arial"/>
-            </a:endParaRPr>
-          </a:p>
-        </p:txBody>
-      </p:sp>
-      <p:sp>
-        <p:nvSpPr>
-          <p:cNvPr id="54" name="CustomShape 11"/>
-          <p:cNvSpPr/>
-          <p:nvPr/>
-        </p:nvSpPr>
-        <p:spPr>
-          <a:xfrm>
-            <a:off x="1175040" y="23287320"/>
-            <a:ext cx="18397440" cy="1371960"/>
-          </a:xfrm>
-          <a:prstGeom prst="rect">
-            <a:avLst/>
-          </a:prstGeom>
-          <a:noFill/>
-          <a:ln>
-            <a:noFill/>
-          </a:ln>
-        </p:spPr>
-        <p:style>
-          <a:lnRef idx="0"/>
-          <a:fillRef idx="0"/>
-          <a:effectRef idx="0"/>
-          <a:fontRef idx="minor"/>
-        </p:style>
-        <p:txBody>
-          <a:bodyPr lIns="0" rIns="0" tIns="0" bIns="0"/>
-          <a:p>
-            <a:pPr marL="343080" indent="-342720">
-              <a:lnSpc>
-                <a:spcPct val="100000"/>
-              </a:lnSpc>
-            </a:pPr>
-            <a:r>
-              <a:rPr b="0" lang="de-DE" sz="7000" spc="-1" strike="noStrike">
-                <a:solidFill>
-                  <a:srgbClr val="000000"/>
-                </a:solidFill>
-                <a:uFill>
-                  <a:solidFill>
-                    <a:srgbClr val="ffffff"/>
-                  </a:solidFill>
-                </a:uFill>
-                <a:latin typeface="Times New Roman"/>
-              </a:rPr>
-              <a:t>TODO: fancy title</a:t>
-            </a:r>
-            <a:endParaRPr b="0" lang="de-DE" sz="1800" spc="-1" strike="noStrike">
-              <a:solidFill>
-                <a:srgbClr val="000000"/>
-              </a:solidFill>
-              <a:uFill>
-                <a:solidFill>
-                  <a:srgbClr val="ffffff"/>
-                </a:solidFill>
-              </a:uFill>
-              <a:latin typeface="Arial"/>
-            </a:endParaRPr>
-          </a:p>
-        </p:txBody>
-      </p:sp>
       <p:pic>
         <p:nvPicPr>
-          <p:cNvPr id="55" name="Grafik 19" descr=""/>
+          <p:cNvPr id="46" name="Grafik 8"/>
           <p:cNvPicPr/>
           <p:nvPr/>
         </p:nvPicPr>
@@ -3765,8 +2959,8 @@
         </p:blipFill>
         <p:spPr>
           <a:xfrm>
-            <a:off x="18819000" y="29792880"/>
-            <a:ext cx="5880960" cy="9249120"/>
+            <a:off x="19695600" y="12115080"/>
+            <a:ext cx="5004000" cy="15589800"/>
           </a:xfrm>
           <a:prstGeom prst="rect">
             <a:avLst/>
@@ -3778,14 +2972,14 @@
       </p:pic>
       <p:sp>
         <p:nvSpPr>
-          <p:cNvPr id="56" name="CustomShape 12"/>
+          <p:cNvPr id="47" name="CustomShape 4"/>
           <p:cNvSpPr/>
           <p:nvPr/>
         </p:nvSpPr>
         <p:spPr>
           <a:xfrm>
-            <a:off x="18819000" y="39356280"/>
-            <a:ext cx="5880960" cy="2504880"/>
+            <a:off x="1175040" y="12115080"/>
+            <a:ext cx="18520200" cy="3357360"/>
           </a:xfrm>
           <a:prstGeom prst="rect">
             <a:avLst/>
@@ -3796,13 +2990,599 @@
           </a:ln>
         </p:spPr>
         <p:style>
-          <a:lnRef idx="0"/>
-          <a:fillRef idx="0"/>
-          <a:effectRef idx="0"/>
+          <a:lnRef idx="0">
+            <a:scrgbClr r="0" g="0" b="0"/>
+          </a:lnRef>
+          <a:fillRef idx="0">
+            <a:scrgbClr r="0" g="0" b="0"/>
+          </a:fillRef>
+          <a:effectRef idx="0">
+            <a:scrgbClr r="0" g="0" b="0"/>
+          </a:effectRef>
           <a:fontRef idx="minor"/>
         </p:style>
         <p:txBody>
-          <a:bodyPr lIns="0" rIns="0" tIns="0" bIns="0"/>
+          <a:bodyPr lIns="0" tIns="0" rIns="0" bIns="0"/>
+          <a:lstStyle/>
+          <a:p>
+            <a:pPr marL="343080" indent="-342720">
+              <a:lnSpc>
+                <a:spcPct val="100000"/>
+              </a:lnSpc>
+              <a:buClr>
+                <a:srgbClr val="000000"/>
+              </a:buClr>
+              <a:buFont typeface="Arial"/>
+              <a:buChar char="•"/>
+            </a:pPr>
+            <a:r>
+              <a:rPr lang="de-DE" sz="4000" b="0" strike="noStrike" spc="-1">
+                <a:solidFill>
+                  <a:srgbClr val="000000"/>
+                </a:solidFill>
+                <a:uFill>
+                  <a:solidFill>
+                    <a:srgbClr val="FFFFFF"/>
+                  </a:solidFill>
+                </a:uFill>
+                <a:latin typeface="Calibri"/>
+              </a:rPr>
+              <a:t>The sound of the environment is measured by a microphone</a:t>
+            </a:r>
+            <a:endParaRPr lang="de-DE" sz="1800" b="0" strike="noStrike" spc="-1">
+              <a:solidFill>
+                <a:srgbClr val="000000"/>
+              </a:solidFill>
+              <a:uFill>
+                <a:solidFill>
+                  <a:srgbClr val="FFFFFF"/>
+                </a:solidFill>
+              </a:uFill>
+              <a:latin typeface="Arial"/>
+            </a:endParaRPr>
+          </a:p>
+          <a:p>
+            <a:pPr marL="343080" indent="-342720">
+              <a:lnSpc>
+                <a:spcPct val="100000"/>
+              </a:lnSpc>
+              <a:buClr>
+                <a:srgbClr val="000000"/>
+              </a:buClr>
+              <a:buFont typeface="Arial"/>
+              <a:buChar char="•"/>
+            </a:pPr>
+            <a:r>
+              <a:rPr lang="de-DE" sz="4000" b="0" strike="noStrike" spc="-1">
+                <a:solidFill>
+                  <a:srgbClr val="000000"/>
+                </a:solidFill>
+                <a:uFill>
+                  <a:solidFill>
+                    <a:srgbClr val="FFFFFF"/>
+                  </a:solidFill>
+                </a:uFill>
+                <a:latin typeface="Calibri"/>
+              </a:rPr>
+              <a:t>LEDs react to the environment sound</a:t>
+            </a:r>
+            <a:endParaRPr lang="de-DE" sz="1800" b="0" strike="noStrike" spc="-1">
+              <a:solidFill>
+                <a:srgbClr val="000000"/>
+              </a:solidFill>
+              <a:uFill>
+                <a:solidFill>
+                  <a:srgbClr val="FFFFFF"/>
+                </a:solidFill>
+              </a:uFill>
+              <a:latin typeface="Arial"/>
+            </a:endParaRPr>
+          </a:p>
+          <a:p>
+            <a:pPr marL="343080" indent="-342720">
+              <a:lnSpc>
+                <a:spcPct val="100000"/>
+              </a:lnSpc>
+              <a:buClr>
+                <a:srgbClr val="000000"/>
+              </a:buClr>
+              <a:buFont typeface="Arial"/>
+              <a:buChar char="•"/>
+            </a:pPr>
+            <a:r>
+              <a:rPr lang="de-DE" sz="4000" b="0" strike="noStrike" spc="-1">
+                <a:solidFill>
+                  <a:srgbClr val="000000"/>
+                </a:solidFill>
+                <a:uFill>
+                  <a:solidFill>
+                    <a:srgbClr val="FFFFFF"/>
+                  </a:solidFill>
+                </a:uFill>
+                <a:latin typeface="Calibri"/>
+              </a:rPr>
+              <a:t>Intelligent music recognition by applying fourier transform to the sound measurements</a:t>
+            </a:r>
+            <a:endParaRPr lang="de-DE" sz="1800" b="0" strike="noStrike" spc="-1">
+              <a:solidFill>
+                <a:srgbClr val="000000"/>
+              </a:solidFill>
+              <a:uFill>
+                <a:solidFill>
+                  <a:srgbClr val="FFFFFF"/>
+                </a:solidFill>
+              </a:uFill>
+              <a:latin typeface="Arial"/>
+            </a:endParaRPr>
+          </a:p>
+          <a:p>
+            <a:pPr marL="343080" indent="-342720">
+              <a:lnSpc>
+                <a:spcPct val="100000"/>
+              </a:lnSpc>
+              <a:buClr>
+                <a:srgbClr val="000000"/>
+              </a:buClr>
+              <a:buFont typeface="Arial"/>
+              <a:buChar char="•"/>
+            </a:pPr>
+            <a:r>
+              <a:rPr lang="de-DE" sz="4000" b="0" strike="noStrike" spc="-1">
+                <a:solidFill>
+                  <a:srgbClr val="000000"/>
+                </a:solidFill>
+                <a:uFill>
+                  <a:solidFill>
+                    <a:srgbClr val="FFFFFF"/>
+                  </a:solidFill>
+                </a:uFill>
+                <a:latin typeface="Calibri"/>
+              </a:rPr>
+              <a:t>Displaying of the music spectrum on chest</a:t>
+            </a:r>
+            <a:endParaRPr lang="de-DE" sz="1800" b="0" strike="noStrike" spc="-1">
+              <a:solidFill>
+                <a:srgbClr val="000000"/>
+              </a:solidFill>
+              <a:uFill>
+                <a:solidFill>
+                  <a:srgbClr val="FFFFFF"/>
+                </a:solidFill>
+              </a:uFill>
+              <a:latin typeface="Arial"/>
+            </a:endParaRPr>
+          </a:p>
+        </p:txBody>
+      </p:sp>
+      <p:sp>
+        <p:nvSpPr>
+          <p:cNvPr id="48" name="CustomShape 5"/>
+          <p:cNvSpPr/>
+          <p:nvPr/>
+        </p:nvSpPr>
+        <p:spPr>
+          <a:xfrm>
+            <a:off x="1175040" y="15296040"/>
+            <a:ext cx="18397440" cy="1371960"/>
+          </a:xfrm>
+          <a:prstGeom prst="rect">
+            <a:avLst/>
+          </a:prstGeom>
+          <a:noFill/>
+          <a:ln>
+            <a:noFill/>
+          </a:ln>
+        </p:spPr>
+        <p:style>
+          <a:lnRef idx="0">
+            <a:scrgbClr r="0" g="0" b="0"/>
+          </a:lnRef>
+          <a:fillRef idx="0">
+            <a:scrgbClr r="0" g="0" b="0"/>
+          </a:fillRef>
+          <a:effectRef idx="0">
+            <a:scrgbClr r="0" g="0" b="0"/>
+          </a:effectRef>
+          <a:fontRef idx="minor"/>
+        </p:style>
+        <p:txBody>
+          <a:bodyPr lIns="0" tIns="0" rIns="0" bIns="0"/>
+          <a:lstStyle/>
+          <a:p>
+            <a:pPr marL="343080" indent="-342720">
+              <a:lnSpc>
+                <a:spcPct val="100000"/>
+              </a:lnSpc>
+            </a:pPr>
+            <a:r>
+              <a:rPr lang="de-DE" sz="7000" b="0" strike="noStrike" spc="-1">
+                <a:solidFill>
+                  <a:srgbClr val="000000"/>
+                </a:solidFill>
+                <a:uFill>
+                  <a:solidFill>
+                    <a:srgbClr val="FFFFFF"/>
+                  </a:solidFill>
+                </a:uFill>
+                <a:latin typeface="Times New Roman"/>
+              </a:rPr>
+              <a:t>Reacting to movements</a:t>
+            </a:r>
+            <a:endParaRPr lang="de-DE" sz="1800" b="0" strike="noStrike" spc="-1">
+              <a:solidFill>
+                <a:srgbClr val="000000"/>
+              </a:solidFill>
+              <a:uFill>
+                <a:solidFill>
+                  <a:srgbClr val="FFFFFF"/>
+                </a:solidFill>
+              </a:uFill>
+              <a:latin typeface="Arial"/>
+            </a:endParaRPr>
+          </a:p>
+        </p:txBody>
+      </p:sp>
+      <p:sp>
+        <p:nvSpPr>
+          <p:cNvPr id="49" name="CustomShape 6"/>
+          <p:cNvSpPr/>
+          <p:nvPr/>
+        </p:nvSpPr>
+        <p:spPr>
+          <a:xfrm>
+            <a:off x="1175040" y="16668360"/>
+            <a:ext cx="18397440" cy="1876680"/>
+          </a:xfrm>
+          <a:prstGeom prst="rect">
+            <a:avLst/>
+          </a:prstGeom>
+          <a:noFill/>
+          <a:ln>
+            <a:noFill/>
+          </a:ln>
+        </p:spPr>
+        <p:style>
+          <a:lnRef idx="0">
+            <a:scrgbClr r="0" g="0" b="0"/>
+          </a:lnRef>
+          <a:fillRef idx="0">
+            <a:scrgbClr r="0" g="0" b="0"/>
+          </a:fillRef>
+          <a:effectRef idx="0">
+            <a:scrgbClr r="0" g="0" b="0"/>
+          </a:effectRef>
+          <a:fontRef idx="minor"/>
+        </p:style>
+        <p:txBody>
+          <a:bodyPr lIns="0" tIns="0" rIns="0" bIns="0"/>
+          <a:lstStyle/>
+          <a:p>
+            <a:pPr marL="343080" indent="-342720">
+              <a:lnSpc>
+                <a:spcPct val="100000"/>
+              </a:lnSpc>
+              <a:buClr>
+                <a:srgbClr val="000000"/>
+              </a:buClr>
+              <a:buFont typeface="Arial"/>
+              <a:buChar char="•"/>
+            </a:pPr>
+            <a:r>
+              <a:rPr lang="de-DE" sz="4000" b="0" strike="noStrike" spc="-1">
+                <a:solidFill>
+                  <a:srgbClr val="000000"/>
+                </a:solidFill>
+                <a:uFill>
+                  <a:solidFill>
+                    <a:srgbClr val="FFFFFF"/>
+                  </a:solidFill>
+                </a:uFill>
+                <a:latin typeface="Calibri"/>
+              </a:rPr>
+              <a:t>Body movements are detected by IMUs mounted on hands and feet</a:t>
+            </a:r>
+            <a:endParaRPr lang="de-DE" sz="1800" b="0" strike="noStrike" spc="-1">
+              <a:solidFill>
+                <a:srgbClr val="000000"/>
+              </a:solidFill>
+              <a:uFill>
+                <a:solidFill>
+                  <a:srgbClr val="FFFFFF"/>
+                </a:solidFill>
+              </a:uFill>
+              <a:latin typeface="Arial"/>
+            </a:endParaRPr>
+          </a:p>
+          <a:p>
+            <a:pPr marL="343080" indent="-342720">
+              <a:lnSpc>
+                <a:spcPct val="100000"/>
+              </a:lnSpc>
+              <a:buClr>
+                <a:srgbClr val="000000"/>
+              </a:buClr>
+              <a:buFont typeface="Arial"/>
+              <a:buChar char="•"/>
+            </a:pPr>
+            <a:r>
+              <a:rPr lang="de-DE" sz="4000" b="0" strike="noStrike" spc="-1">
+                <a:solidFill>
+                  <a:srgbClr val="000000"/>
+                </a:solidFill>
+                <a:uFill>
+                  <a:solidFill>
+                    <a:srgbClr val="FFFFFF"/>
+                  </a:solidFill>
+                </a:uFill>
+                <a:latin typeface="Calibri"/>
+              </a:rPr>
+              <a:t>LEDs react to the movements measured by the IMUs</a:t>
+            </a:r>
+            <a:endParaRPr lang="de-DE" sz="1800" b="0" strike="noStrike" spc="-1">
+              <a:solidFill>
+                <a:srgbClr val="000000"/>
+              </a:solidFill>
+              <a:uFill>
+                <a:solidFill>
+                  <a:srgbClr val="FFFFFF"/>
+                </a:solidFill>
+              </a:uFill>
+              <a:latin typeface="Arial"/>
+            </a:endParaRPr>
+          </a:p>
+        </p:txBody>
+      </p:sp>
+      <p:sp>
+        <p:nvSpPr>
+          <p:cNvPr id="50" name="CustomShape 7"/>
+          <p:cNvSpPr/>
+          <p:nvPr/>
+        </p:nvSpPr>
+        <p:spPr>
+          <a:xfrm>
+            <a:off x="1175040" y="18545040"/>
+            <a:ext cx="18397440" cy="1371960"/>
+          </a:xfrm>
+          <a:prstGeom prst="rect">
+            <a:avLst/>
+          </a:prstGeom>
+          <a:noFill/>
+          <a:ln>
+            <a:noFill/>
+          </a:ln>
+        </p:spPr>
+        <p:style>
+          <a:lnRef idx="0">
+            <a:scrgbClr r="0" g="0" b="0"/>
+          </a:lnRef>
+          <a:fillRef idx="0">
+            <a:scrgbClr r="0" g="0" b="0"/>
+          </a:fillRef>
+          <a:effectRef idx="0">
+            <a:scrgbClr r="0" g="0" b="0"/>
+          </a:effectRef>
+          <a:fontRef idx="minor"/>
+        </p:style>
+        <p:txBody>
+          <a:bodyPr lIns="0" tIns="0" rIns="0" bIns="0"/>
+          <a:lstStyle/>
+          <a:p>
+            <a:pPr marL="343080" indent="-342720">
+              <a:lnSpc>
+                <a:spcPct val="100000"/>
+              </a:lnSpc>
+            </a:pPr>
+            <a:r>
+              <a:rPr lang="de-DE" sz="7000" b="0" strike="noStrike" spc="-1">
+                <a:solidFill>
+                  <a:srgbClr val="000000"/>
+                </a:solidFill>
+                <a:uFill>
+                  <a:solidFill>
+                    <a:srgbClr val="FFFFFF"/>
+                  </a:solidFill>
+                </a:uFill>
+                <a:latin typeface="Times New Roman"/>
+              </a:rPr>
+              <a:t>Creating an audiovisual performance</a:t>
+            </a:r>
+            <a:endParaRPr lang="de-DE" sz="1800" b="0" strike="noStrike" spc="-1">
+              <a:solidFill>
+                <a:srgbClr val="000000"/>
+              </a:solidFill>
+              <a:uFill>
+                <a:solidFill>
+                  <a:srgbClr val="FFFFFF"/>
+                </a:solidFill>
+              </a:uFill>
+              <a:latin typeface="Arial"/>
+            </a:endParaRPr>
+          </a:p>
+        </p:txBody>
+      </p:sp>
+      <p:sp>
+        <p:nvSpPr>
+          <p:cNvPr id="51" name="CustomShape 8"/>
+          <p:cNvSpPr/>
+          <p:nvPr/>
+        </p:nvSpPr>
+        <p:spPr>
+          <a:xfrm>
+            <a:off x="1175040" y="19917360"/>
+            <a:ext cx="15962400" cy="3369600"/>
+          </a:xfrm>
+          <a:prstGeom prst="rect">
+            <a:avLst/>
+          </a:prstGeom>
+          <a:noFill/>
+          <a:ln>
+            <a:noFill/>
+          </a:ln>
+        </p:spPr>
+        <p:style>
+          <a:lnRef idx="0">
+            <a:scrgbClr r="0" g="0" b="0"/>
+          </a:lnRef>
+          <a:fillRef idx="0">
+            <a:scrgbClr r="0" g="0" b="0"/>
+          </a:fillRef>
+          <a:effectRef idx="0">
+            <a:scrgbClr r="0" g="0" b="0"/>
+          </a:effectRef>
+          <a:fontRef idx="minor"/>
+        </p:style>
+        <p:txBody>
+          <a:bodyPr lIns="0" tIns="0" rIns="0" bIns="0"/>
+          <a:lstStyle/>
+          <a:p>
+            <a:pPr marL="343080" indent="-342720">
+              <a:lnSpc>
+                <a:spcPct val="100000"/>
+              </a:lnSpc>
+              <a:buClr>
+                <a:srgbClr val="000000"/>
+              </a:buClr>
+              <a:buFont typeface="Arial"/>
+              <a:buChar char="•"/>
+            </a:pPr>
+            <a:r>
+              <a:rPr lang="de-DE" sz="4000" b="0" strike="noStrike" spc="-1">
+                <a:solidFill>
+                  <a:srgbClr val="000000"/>
+                </a:solidFill>
+                <a:uFill>
+                  <a:solidFill>
+                    <a:srgbClr val="FFFFFF"/>
+                  </a:solidFill>
+                </a:uFill>
+                <a:latin typeface="Calibri"/>
+              </a:rPr>
+              <a:t>LEDs change their colors and blinking patterns according to the music and the movements of the wearer</a:t>
+            </a:r>
+            <a:endParaRPr lang="de-DE" sz="1800" b="0" strike="noStrike" spc="-1">
+              <a:solidFill>
+                <a:srgbClr val="000000"/>
+              </a:solidFill>
+              <a:uFill>
+                <a:solidFill>
+                  <a:srgbClr val="FFFFFF"/>
+                </a:solidFill>
+              </a:uFill>
+              <a:latin typeface="Arial"/>
+            </a:endParaRPr>
+          </a:p>
+          <a:p>
+            <a:pPr marL="343080" indent="-342720">
+              <a:lnSpc>
+                <a:spcPct val="100000"/>
+              </a:lnSpc>
+              <a:buClr>
+                <a:srgbClr val="000000"/>
+              </a:buClr>
+              <a:buFont typeface="Arial"/>
+              <a:buChar char="•"/>
+            </a:pPr>
+            <a:r>
+              <a:rPr lang="de-DE" sz="4000" b="0" strike="noStrike" spc="-1">
+                <a:solidFill>
+                  <a:srgbClr val="000000"/>
+                </a:solidFill>
+                <a:uFill>
+                  <a:solidFill>
+                    <a:srgbClr val="FFFFFF"/>
+                  </a:solidFill>
+                </a:uFill>
+                <a:latin typeface="Calibri"/>
+                <a:ea typeface="Geneva"/>
+              </a:rPr>
+              <a:t>Suit behavior can be configured via android app</a:t>
+            </a:r>
+            <a:endParaRPr lang="de-DE" sz="1800" b="0" strike="noStrike" spc="-1">
+              <a:solidFill>
+                <a:srgbClr val="000000"/>
+              </a:solidFill>
+              <a:uFill>
+                <a:solidFill>
+                  <a:srgbClr val="FFFFFF"/>
+                </a:solidFill>
+              </a:uFill>
+              <a:latin typeface="Arial"/>
+            </a:endParaRPr>
+          </a:p>
+          <a:p>
+            <a:pPr marL="343080" indent="-342720">
+              <a:lnSpc>
+                <a:spcPct val="100000"/>
+              </a:lnSpc>
+              <a:buClr>
+                <a:srgbClr val="000000"/>
+              </a:buClr>
+              <a:buFont typeface="Arial"/>
+              <a:buChar char="•"/>
+            </a:pPr>
+            <a:r>
+              <a:rPr lang="de-DE" sz="4000" b="0" strike="noStrike" spc="-1">
+                <a:solidFill>
+                  <a:srgbClr val="000000"/>
+                </a:solidFill>
+                <a:uFill>
+                  <a:solidFill>
+                    <a:srgbClr val="FFFFFF"/>
+                  </a:solidFill>
+                </a:uFill>
+                <a:latin typeface="Calibri"/>
+                <a:ea typeface="Geneva"/>
+              </a:rPr>
+              <a:t>Generating an LED-choreography on the fly</a:t>
+            </a:r>
+            <a:endParaRPr lang="de-DE" sz="1800" b="0" strike="noStrike" spc="-1">
+              <a:solidFill>
+                <a:srgbClr val="000000"/>
+              </a:solidFill>
+              <a:uFill>
+                <a:solidFill>
+                  <a:srgbClr val="FFFFFF"/>
+                </a:solidFill>
+              </a:uFill>
+              <a:latin typeface="Arial"/>
+            </a:endParaRPr>
+          </a:p>
+        </p:txBody>
+      </p:sp>
+      <p:sp>
+        <p:nvSpPr>
+          <p:cNvPr id="52" name="CustomShape 9"/>
+          <p:cNvSpPr/>
+          <p:nvPr/>
+        </p:nvSpPr>
+        <p:spPr>
+          <a:xfrm>
+            <a:off x="19066680" y="27704880"/>
+            <a:ext cx="5880960" cy="2504880"/>
+          </a:xfrm>
+          <a:prstGeom prst="rect">
+            <a:avLst/>
+          </a:prstGeom>
+          <a:noFill/>
+          <a:ln>
+            <a:noFill/>
+          </a:ln>
+        </p:spPr>
+        <p:style>
+          <a:lnRef idx="0">
+            <a:scrgbClr r="0" g="0" b="0"/>
+          </a:lnRef>
+          <a:fillRef idx="0">
+            <a:scrgbClr r="0" g="0" b="0"/>
+          </a:fillRef>
+          <a:effectRef idx="0">
+            <a:scrgbClr r="0" g="0" b="0"/>
+          </a:effectRef>
+          <a:fontRef idx="minor"/>
+        </p:style>
+        <p:txBody>
+          <a:bodyPr lIns="0" tIns="0" rIns="0" bIns="0"/>
+          <a:lstStyle/>
           <a:p>
             <a:pPr marL="343080" indent="-342720" algn="ctr">
               <a:lnSpc>
@@ -3810,26 +3590,498 @@
               </a:lnSpc>
             </a:pPr>
             <a:r>
-              <a:rPr b="0" lang="de-DE" sz="4000" spc="-1" strike="noStrike">
+              <a:rPr lang="de-DE" sz="4000" b="0" strike="noStrike" spc="-1">
                 <a:solidFill>
                   <a:srgbClr val="000000"/>
                 </a:solidFill>
                 <a:uFill>
                   <a:solidFill>
-                    <a:srgbClr val="ffffff"/>
+                    <a:srgbClr val="FFFFFF"/>
                   </a:solidFill>
                 </a:uFill>
                 <a:latin typeface="Arial"/>
               </a:rPr>
+              <a:t>	Positions of the sensors and LEDs on the suit</a:t>
+            </a:r>
+            <a:endParaRPr lang="de-DE" sz="1800" b="0" strike="noStrike" spc="-1">
+              <a:solidFill>
+                <a:srgbClr val="000000"/>
+              </a:solidFill>
+              <a:uFill>
+                <a:solidFill>
+                  <a:srgbClr val="FFFFFF"/>
+                </a:solidFill>
+              </a:uFill>
+              <a:latin typeface="Arial"/>
+            </a:endParaRPr>
+          </a:p>
+        </p:txBody>
+      </p:sp>
+      <p:sp>
+        <p:nvSpPr>
+          <p:cNvPr id="53" name="CustomShape 10"/>
+          <p:cNvSpPr/>
+          <p:nvPr/>
+        </p:nvSpPr>
+        <p:spPr>
+          <a:xfrm>
+            <a:off x="1175040" y="33299640"/>
+            <a:ext cx="16225560" cy="8860680"/>
+          </a:xfrm>
+          <a:prstGeom prst="rect">
+            <a:avLst/>
+          </a:prstGeom>
+          <a:noFill/>
+          <a:ln>
+            <a:noFill/>
+          </a:ln>
+        </p:spPr>
+        <p:style>
+          <a:lnRef idx="0">
+            <a:scrgbClr r="0" g="0" b="0"/>
+          </a:lnRef>
+          <a:fillRef idx="0">
+            <a:scrgbClr r="0" g="0" b="0"/>
+          </a:fillRef>
+          <a:effectRef idx="0">
+            <a:scrgbClr r="0" g="0" b="0"/>
+          </a:effectRef>
+          <a:fontRef idx="minor"/>
+        </p:style>
+        <p:txBody>
+          <a:bodyPr lIns="0" tIns="0" rIns="0" bIns="0"/>
+          <a:lstStyle/>
+          <a:p>
+            <a:pPr marL="343080" indent="-342720">
+              <a:lnSpc>
+                <a:spcPct val="100000"/>
+              </a:lnSpc>
+              <a:buClr>
+                <a:srgbClr val="000000"/>
+              </a:buClr>
+              <a:buFont typeface="Arial"/>
+              <a:buChar char="•"/>
+            </a:pPr>
+            <a:r>
+              <a:rPr lang="de-DE" sz="4000" b="0" strike="noStrike" spc="-1">
+                <a:solidFill>
+                  <a:srgbClr val="000000"/>
+                </a:solidFill>
+                <a:uFill>
+                  <a:solidFill>
+                    <a:srgbClr val="FFFFFF"/>
+                  </a:solidFill>
+                </a:uFill>
+                <a:latin typeface="Calibri"/>
+              </a:rPr>
+              <a:t>Arduino-compatible custom sensor board hardware</a:t>
+            </a:r>
+            <a:endParaRPr lang="de-DE" sz="1800" b="0" strike="noStrike" spc="-1">
+              <a:solidFill>
+                <a:srgbClr val="000000"/>
+              </a:solidFill>
+              <a:uFill>
+                <a:solidFill>
+                  <a:srgbClr val="FFFFFF"/>
+                </a:solidFill>
+              </a:uFill>
+              <a:latin typeface="Arial"/>
+            </a:endParaRPr>
+          </a:p>
+          <a:p>
+            <a:pPr marL="343080" indent="-342720">
+              <a:lnSpc>
+                <a:spcPct val="100000"/>
+              </a:lnSpc>
+              <a:buClr>
+                <a:srgbClr val="000000"/>
+              </a:buClr>
+              <a:buFont typeface="Arial"/>
+              <a:buChar char="•"/>
+            </a:pPr>
+            <a:r>
+              <a:rPr lang="de-DE" sz="4000" b="0" strike="noStrike" spc="-1">
+                <a:solidFill>
+                  <a:srgbClr val="000000"/>
+                </a:solidFill>
+                <a:uFill>
+                  <a:solidFill>
+                    <a:srgbClr val="FFFFFF"/>
+                  </a:solidFill>
+                </a:uFill>
+                <a:latin typeface="Calibri"/>
+              </a:rPr>
+              <a:t>Sensor board communication over an RS485-based master-slave bus</a:t>
+            </a:r>
+            <a:endParaRPr lang="de-DE" sz="1800" b="0" strike="noStrike" spc="-1">
+              <a:solidFill>
+                <a:srgbClr val="000000"/>
+              </a:solidFill>
+              <a:uFill>
+                <a:solidFill>
+                  <a:srgbClr val="FFFFFF"/>
+                </a:solidFill>
+              </a:uFill>
+              <a:latin typeface="Arial"/>
+            </a:endParaRPr>
+          </a:p>
+          <a:p>
+            <a:pPr marL="343080" indent="-342720">
+              <a:lnSpc>
+                <a:spcPct val="100000"/>
+              </a:lnSpc>
+              <a:buClr>
+                <a:srgbClr val="000000"/>
+              </a:buClr>
+              <a:buFont typeface="Arial"/>
+              <a:buChar char="•"/>
+            </a:pPr>
+            <a:r>
+              <a:rPr lang="de-DE" sz="4000" b="0" strike="noStrike" spc="-1">
+                <a:solidFill>
+                  <a:srgbClr val="000000"/>
+                </a:solidFill>
+                <a:uFill>
+                  <a:solidFill>
+                    <a:srgbClr val="FFFFFF"/>
+                  </a:solidFill>
+                </a:uFill>
+                <a:latin typeface="Calibri"/>
+              </a:rPr>
+              <a:t>STM32F4 discovery board with breadboard shield as mainboard</a:t>
+            </a:r>
+            <a:endParaRPr lang="de-DE" sz="1800" b="0" strike="noStrike" spc="-1">
+              <a:solidFill>
+                <a:srgbClr val="000000"/>
+              </a:solidFill>
+              <a:uFill>
+                <a:solidFill>
+                  <a:srgbClr val="FFFFFF"/>
+                </a:solidFill>
+              </a:uFill>
+              <a:latin typeface="Arial"/>
+            </a:endParaRPr>
+          </a:p>
+          <a:p>
+            <a:pPr marL="343080" indent="-342720">
+              <a:lnSpc>
+                <a:spcPct val="100000"/>
+              </a:lnSpc>
+              <a:buClr>
+                <a:srgbClr val="000000"/>
+              </a:buClr>
+              <a:buFont typeface="Arial"/>
+              <a:buChar char="•"/>
+            </a:pPr>
+            <a:r>
+              <a:rPr lang="de-DE" sz="4000" b="0" strike="noStrike" spc="-1">
+                <a:solidFill>
+                  <a:srgbClr val="000000"/>
+                </a:solidFill>
+                <a:uFill>
+                  <a:solidFill>
+                    <a:srgbClr val="FFFFFF"/>
+                  </a:solidFill>
+                </a:uFill>
+                <a:latin typeface="Calibri"/>
+              </a:rPr>
+              <a:t>Individually addressable WS2812 RGB LEDs</a:t>
+            </a:r>
+            <a:endParaRPr lang="de-DE" sz="1800" b="0" strike="noStrike" spc="-1">
+              <a:solidFill>
+                <a:srgbClr val="000000"/>
+              </a:solidFill>
+              <a:uFill>
+                <a:solidFill>
+                  <a:srgbClr val="FFFFFF"/>
+                </a:solidFill>
+              </a:uFill>
+              <a:latin typeface="Arial"/>
+            </a:endParaRPr>
+          </a:p>
+          <a:p>
+            <a:pPr marL="343080" indent="-342720">
+              <a:lnSpc>
+                <a:spcPct val="100000"/>
+              </a:lnSpc>
+              <a:buClr>
+                <a:srgbClr val="000000"/>
+              </a:buClr>
+              <a:buFont typeface="Arial"/>
+              <a:buChar char="•"/>
+            </a:pPr>
+            <a:r>
+              <a:rPr lang="de-DE" sz="4000" b="0" strike="noStrike" spc="-1">
+                <a:solidFill>
+                  <a:srgbClr val="000000"/>
+                </a:solidFill>
+                <a:uFill>
+                  <a:solidFill>
+                    <a:srgbClr val="FFFFFF"/>
+                  </a:solidFill>
+                </a:uFill>
+                <a:latin typeface="Calibri"/>
+              </a:rPr>
+              <a:t>Sound detection with adafruit MAX9814 microphone module</a:t>
+            </a:r>
+            <a:endParaRPr lang="de-DE" sz="1800" b="0" strike="noStrike" spc="-1">
+              <a:solidFill>
+                <a:srgbClr val="000000"/>
+              </a:solidFill>
+              <a:uFill>
+                <a:solidFill>
+                  <a:srgbClr val="FFFFFF"/>
+                </a:solidFill>
+              </a:uFill>
+              <a:latin typeface="Arial"/>
+            </a:endParaRPr>
+          </a:p>
+          <a:p>
+            <a:pPr marL="343080" indent="-342720">
+              <a:lnSpc>
+                <a:spcPct val="100000"/>
+              </a:lnSpc>
+              <a:buClr>
+                <a:srgbClr val="000000"/>
+              </a:buClr>
+              <a:buFont typeface="Arial"/>
+              <a:buChar char="•"/>
+            </a:pPr>
+            <a:r>
+              <a:rPr lang="de-DE" sz="4000" b="0" strike="noStrike" spc="-1">
+                <a:solidFill>
+                  <a:srgbClr val="000000"/>
+                </a:solidFill>
+                <a:uFill>
+                  <a:solidFill>
+                    <a:srgbClr val="FFFFFF"/>
+                  </a:solidFill>
+                </a:uFill>
+                <a:latin typeface="Calibri"/>
+              </a:rPr>
+              <a:t>Communication with the android app via bluetooth</a:t>
+            </a:r>
+            <a:endParaRPr lang="de-DE" sz="1800" b="0" strike="noStrike" spc="-1">
+              <a:solidFill>
+                <a:srgbClr val="000000"/>
+              </a:solidFill>
+              <a:uFill>
+                <a:solidFill>
+                  <a:srgbClr val="FFFFFF"/>
+                </a:solidFill>
+              </a:uFill>
+              <a:latin typeface="Arial"/>
+            </a:endParaRPr>
+          </a:p>
+          <a:p>
+            <a:pPr>
+              <a:lnSpc>
+                <a:spcPct val="100000"/>
+              </a:lnSpc>
+            </a:pPr>
+            <a:endParaRPr lang="de-DE" sz="1800" b="0" strike="noStrike" spc="-1">
+              <a:solidFill>
+                <a:srgbClr val="000000"/>
+              </a:solidFill>
+              <a:uFill>
+                <a:solidFill>
+                  <a:srgbClr val="FFFFFF"/>
+                </a:solidFill>
+              </a:uFill>
+              <a:latin typeface="Arial"/>
+            </a:endParaRPr>
+          </a:p>
+          <a:p>
+            <a:pPr marL="343080" indent="-342720">
+              <a:lnSpc>
+                <a:spcPct val="100000"/>
+              </a:lnSpc>
+              <a:buClr>
+                <a:srgbClr val="000000"/>
+              </a:buClr>
+              <a:buFont typeface="Arial"/>
+              <a:buChar char="•"/>
+            </a:pPr>
+            <a:r>
+              <a:rPr lang="de-DE" sz="4000" b="0" strike="noStrike" spc="-1">
+                <a:solidFill>
+                  <a:srgbClr val="000000"/>
+                </a:solidFill>
+                <a:uFill>
+                  <a:solidFill>
+                    <a:srgbClr val="FFFFFF"/>
+                  </a:solidFill>
+                </a:uFill>
+                <a:latin typeface="Calibri"/>
+              </a:rPr>
+              <a:t>TODO: Add some information about bluetooth communication and app</a:t>
+            </a:r>
+            <a:endParaRPr lang="de-DE" sz="1800" b="0" strike="noStrike" spc="-1">
+              <a:solidFill>
+                <a:srgbClr val="000000"/>
+              </a:solidFill>
+              <a:uFill>
+                <a:solidFill>
+                  <a:srgbClr val="FFFFFF"/>
+                </a:solidFill>
+              </a:uFill>
+              <a:latin typeface="Arial"/>
+            </a:endParaRPr>
+          </a:p>
+        </p:txBody>
+      </p:sp>
+      <p:sp>
+        <p:nvSpPr>
+          <p:cNvPr id="54" name="CustomShape 11"/>
+          <p:cNvSpPr/>
+          <p:nvPr/>
+        </p:nvSpPr>
+        <p:spPr>
+          <a:xfrm>
+            <a:off x="1175040" y="23287320"/>
+            <a:ext cx="18397440" cy="1371960"/>
+          </a:xfrm>
+          <a:prstGeom prst="rect">
+            <a:avLst/>
+          </a:prstGeom>
+          <a:noFill/>
+          <a:ln>
+            <a:noFill/>
+          </a:ln>
+        </p:spPr>
+        <p:style>
+          <a:lnRef idx="0">
+            <a:scrgbClr r="0" g="0" b="0"/>
+          </a:lnRef>
+          <a:fillRef idx="0">
+            <a:scrgbClr r="0" g="0" b="0"/>
+          </a:fillRef>
+          <a:effectRef idx="0">
+            <a:scrgbClr r="0" g="0" b="0"/>
+          </a:effectRef>
+          <a:fontRef idx="minor"/>
+        </p:style>
+        <p:txBody>
+          <a:bodyPr lIns="0" tIns="0" rIns="0" bIns="0"/>
+          <a:lstStyle/>
+          <a:p>
+            <a:pPr marL="343080" indent="-342720">
+              <a:lnSpc>
+                <a:spcPct val="100000"/>
+              </a:lnSpc>
+            </a:pPr>
+            <a:r>
+              <a:rPr lang="de-DE" sz="7000" b="0" strike="noStrike" spc="-1">
+                <a:solidFill>
+                  <a:srgbClr val="000000"/>
+                </a:solidFill>
+                <a:uFill>
+                  <a:solidFill>
+                    <a:srgbClr val="FFFFFF"/>
+                  </a:solidFill>
+                </a:uFill>
+                <a:latin typeface="Times New Roman"/>
+              </a:rPr>
+              <a:t>TODO: fancy title</a:t>
+            </a:r>
+            <a:endParaRPr lang="de-DE" sz="1800" b="0" strike="noStrike" spc="-1">
+              <a:solidFill>
+                <a:srgbClr val="000000"/>
+              </a:solidFill>
+              <a:uFill>
+                <a:solidFill>
+                  <a:srgbClr val="FFFFFF"/>
+                </a:solidFill>
+              </a:uFill>
+              <a:latin typeface="Arial"/>
+            </a:endParaRPr>
+          </a:p>
+        </p:txBody>
+      </p:sp>
+      <p:pic>
+        <p:nvPicPr>
+          <p:cNvPr id="55" name="Grafik 19"/>
+          <p:cNvPicPr/>
+          <p:nvPr/>
+        </p:nvPicPr>
+        <p:blipFill>
+          <a:blip r:embed="rId5"/>
+          <a:stretch/>
+        </p:blipFill>
+        <p:spPr>
+          <a:xfrm>
+            <a:off x="18819000" y="29792880"/>
+            <a:ext cx="5880960" cy="9249120"/>
+          </a:xfrm>
+          <a:prstGeom prst="rect">
+            <a:avLst/>
+          </a:prstGeom>
+          <a:ln>
+            <a:noFill/>
+          </a:ln>
+        </p:spPr>
+      </p:pic>
+      <p:sp>
+        <p:nvSpPr>
+          <p:cNvPr id="56" name="CustomShape 12"/>
+          <p:cNvSpPr/>
+          <p:nvPr/>
+        </p:nvSpPr>
+        <p:spPr>
+          <a:xfrm>
+            <a:off x="18819000" y="39356280"/>
+            <a:ext cx="5880960" cy="2504880"/>
+          </a:xfrm>
+          <a:prstGeom prst="rect">
+            <a:avLst/>
+          </a:prstGeom>
+          <a:noFill/>
+          <a:ln>
+            <a:noFill/>
+          </a:ln>
+        </p:spPr>
+        <p:style>
+          <a:lnRef idx="0">
+            <a:scrgbClr r="0" g="0" b="0"/>
+          </a:lnRef>
+          <a:fillRef idx="0">
+            <a:scrgbClr r="0" g="0" b="0"/>
+          </a:fillRef>
+          <a:effectRef idx="0">
+            <a:scrgbClr r="0" g="0" b="0"/>
+          </a:effectRef>
+          <a:fontRef idx="minor"/>
+        </p:style>
+        <p:txBody>
+          <a:bodyPr lIns="0" tIns="0" rIns="0" bIns="0"/>
+          <a:lstStyle/>
+          <a:p>
+            <a:pPr marL="343080" indent="-342720" algn="ctr">
+              <a:lnSpc>
+                <a:spcPct val="100000"/>
+              </a:lnSpc>
+            </a:pPr>
+            <a:r>
+              <a:rPr lang="de-DE" sz="4000" b="0" strike="noStrike" spc="-1">
+                <a:solidFill>
+                  <a:srgbClr val="000000"/>
+                </a:solidFill>
+                <a:uFill>
+                  <a:solidFill>
+                    <a:srgbClr val="FFFFFF"/>
+                  </a:solidFill>
+                </a:uFill>
+                <a:latin typeface="Arial"/>
+              </a:rPr>
               <a:t>TODO: nice picture title (and a nice picture)</a:t>
             </a:r>
-            <a:endParaRPr b="0" lang="de-DE" sz="1800" spc="-1" strike="noStrike">
-              <a:solidFill>
-                <a:srgbClr val="000000"/>
-              </a:solidFill>
-              <a:uFill>
-                <a:solidFill>
-                  <a:srgbClr val="ffffff"/>
+            <a:endParaRPr lang="de-DE" sz="1800" b="0" strike="noStrike" spc="-1">
+              <a:solidFill>
+                <a:srgbClr val="000000"/>
+              </a:solidFill>
+              <a:uFill>
+                <a:solidFill>
+                  <a:srgbClr val="FFFFFF"/>
                 </a:solidFill>
               </a:uFill>
               <a:latin typeface="Arial"/>
@@ -3839,6 +4091,9 @@
       </p:sp>
     </p:spTree>
   </p:cSld>
+  <p:clrMapOvr>
+    <a:masterClrMapping/>
+  </p:clrMapOvr>
   <p:timing>
     <p:tnLst>
       <p:par>
@@ -3847,14 +4102,14 @@
             <p:seq>
               <p:cTn id="2" nodeType="mainSeq"/>
               <p:prevCondLst>
-                <p:cond delay="0" evt="onPrev">
+                <p:cond evt="onPrev" delay="0">
                   <p:tgtEl>
                     <p:sldTgt/>
                   </p:tgtEl>
                 </p:cond>
               </p:prevCondLst>
               <p:nextCondLst>
-                <p:cond delay="0" evt="onNext">
+                <p:cond evt="onNext" delay="0">
                   <p:tgtEl>
                     <p:sldTgt/>
                   </p:tgtEl>
@@ -4089,5 +4344,7 @@
       </a:bgFillStyleLst>
     </a:fmtScheme>
   </a:themeElements>
+  <a:objectDefaults/>
+  <a:extraClrSchemeLst/>
 </a:theme>
 </file>
--- a/poster/smartDancingSuitPoster.pptx
+++ b/poster/smartDancingSuitPoster.pptx
@@ -2978,7 +2978,7 @@
                 <a:latin typeface="Calibri"/>
                 <a:ea typeface="DejaVu Sans"/>
               </a:rPr>
-              <a:t>Yaw, pitch, roll and 3-axis acceleration data gets sent to the mainboard over an RS485-based master-slave bu</a:t>
+              <a:t>Yaw, pitch, roll and 3-axis acceleration data of each body part gets sent to the mainboard over an RS485 master-slave bus</a:t>
             </a:r>
             <a:endParaRPr b="0" lang="en-US" sz="1800" spc="-1" strike="noStrike">
               <a:solidFill>
